--- a/Whiteboard design session/WDS trainer presentation - App modernization.pptx
+++ b/Whiteboard design session/WDS trainer presentation - App modernization.pptx
@@ -6,7 +6,7 @@
     <p:sldMasterId id="2147483665" r:id="rId2"/>
   </p:sldMasterIdLst>
   <p:notesMasterIdLst>
-    <p:notesMasterId r:id="rId23"/>
+    <p:notesMasterId r:id="rId24"/>
   </p:notesMasterIdLst>
   <p:sldIdLst>
     <p:sldId id="300" r:id="rId3"/>
@@ -21,14 +21,15 @@
     <p:sldId id="321" r:id="rId12"/>
     <p:sldId id="317" r:id="rId13"/>
     <p:sldId id="327" r:id="rId14"/>
-    <p:sldId id="330" r:id="rId15"/>
+    <p:sldId id="343" r:id="rId15"/>
     <p:sldId id="339" r:id="rId16"/>
-    <p:sldId id="340" r:id="rId17"/>
-    <p:sldId id="341" r:id="rId18"/>
-    <p:sldId id="342" r:id="rId19"/>
-    <p:sldId id="337" r:id="rId20"/>
-    <p:sldId id="318" r:id="rId21"/>
-    <p:sldId id="315" r:id="rId22"/>
+    <p:sldId id="330" r:id="rId17"/>
+    <p:sldId id="340" r:id="rId18"/>
+    <p:sldId id="341" r:id="rId19"/>
+    <p:sldId id="342" r:id="rId20"/>
+    <p:sldId id="337" r:id="rId21"/>
+    <p:sldId id="318" r:id="rId22"/>
+    <p:sldId id="315" r:id="rId23"/>
   </p:sldIdLst>
   <p:sldSz cx="12192000" cy="6858000"/>
   <p:notesSz cx="6858000" cy="9144000"/>
@@ -225,7 +226,7 @@
           <a:p>
             <a:fld id="{52A13B17-C506-4D51-BB37-16B365906619}" type="datetimeFigureOut">
               <a:rPr lang="en-US" smtClean="0"/>
-              <a:t>11/3/2021</a:t>
+              <a:t>3/28/2022</a:t>
             </a:fld>
             <a:endParaRPr lang="en-US" dirty="0"/>
           </a:p>
@@ -856,10 +857,60 @@
                 <a:effectLst/>
                 <a:latin typeface="Consolas" panose="020B0609020204030204" pitchFamily="49" charset="0"/>
               </a:rPr>
-              <a:t>The solution begins with assessing Parts Unlimited's E-Commerce application with App Service Migration Assistant. Once the assessment succeeds, Parts Unlimited can move to migrate their e-commerce site to an App Service with the App Service Migration Assistant's help. In the case of Parts Unlimited, despite their fears of using an EoL (End-of-Life) .NET Core version, the assessment does not show any blockers. After having App Service Migration Assistant provision an App Service and migrating their application Parts, Unlimited is happy having the front-end moved to the cloud.</a:t>
-            </a:r>
-          </a:p>
-          <a:p>
+              <a:t>The solution begins with </a:t>
+            </a:r>
+            <a:r>
+              <a:rPr lang="en-US" b="1" dirty="0">
+                <a:solidFill>
+                  <a:srgbClr val="000000"/>
+                </a:solidFill>
+                <a:effectLst/>
+                <a:latin typeface="Consolas" panose="020B0609020204030204" pitchFamily="49" charset="0"/>
+              </a:rPr>
+              <a:t>assessing Parts Unlimited's E-Commerce application with App Service Migration Assistant</a:t>
+            </a:r>
+            <a:r>
+              <a:rPr lang="en-US" b="0" dirty="0">
+                <a:solidFill>
+                  <a:srgbClr val="000000"/>
+                </a:solidFill>
+                <a:effectLst/>
+                <a:latin typeface="Consolas" panose="020B0609020204030204" pitchFamily="49" charset="0"/>
+              </a:rPr>
+              <a:t>. Once the assessment succeeds, Parts Unlimited can move to migrate their e-commerce site to an App Service with the App Service Migration Assistant's help. In the case of Parts Unlimited, despite their fears of using an EoL (End-of-Life) .NET Core version, the assessment does not show any blockers. After having App Service Migration Assistant provision an App Service and migrating their application Parts, Unlimited is happy having the front-end moved to the cloud.</a:t>
+            </a:r>
+          </a:p>
+          <a:p>
+            <a:r>
+              <a:rPr lang="en-US" b="1" dirty="0">
+                <a:solidFill>
+                  <a:srgbClr val="000000"/>
+                </a:solidFill>
+                <a:effectLst/>
+                <a:latin typeface="Consolas" panose="020B0609020204030204" pitchFamily="49" charset="0"/>
+              </a:rPr>
+              <a:t>migrate Parts </a:t>
+            </a:r>
+            <a:r>
+              <a:rPr lang="en-US" b="1" dirty="0" err="1">
+                <a:solidFill>
+                  <a:srgbClr val="000000"/>
+                </a:solidFill>
+                <a:effectLst/>
+                <a:latin typeface="Consolas" panose="020B0609020204030204" pitchFamily="49" charset="0"/>
+              </a:rPr>
+              <a:t>Unlimited's</a:t>
+            </a:r>
+            <a:r>
+              <a:rPr lang="en-US" b="1" dirty="0">
+                <a:solidFill>
+                  <a:srgbClr val="000000"/>
+                </a:solidFill>
+                <a:effectLst/>
+                <a:latin typeface="Consolas" panose="020B0609020204030204" pitchFamily="49" charset="0"/>
+              </a:rPr>
+              <a:t> SQL Server 2008 R2 database to Azure SQL Database using the Azure Database Migration Service (DMS)</a:t>
+            </a:r>
             <a:br>
               <a:rPr lang="en-US" b="0" dirty="0">
                 <a:solidFill>
@@ -877,7 +928,48 @@
                 <a:effectLst/>
                 <a:latin typeface="Consolas" panose="020B0609020204030204" pitchFamily="49" charset="0"/>
               </a:rPr>
-              <a:t>The next step is to migrate Parts Unlimited's SQL Server 2008 R2 database to Azure SQL Database using the Azure Database Migration Service (DMS). Using the Data Migration Assistant (DMA) assessment, Parts Unlimited determines that they can migrate into a fully-managed SQL Database service in Azure. The assessment revealed no compatibility issues or unsupported features that would prevent them from using Azure SQL Database. </a:t>
+              <a:t>The next step is to . Using the Data Migration Assistant (DMA) assessment, Parts Unlimited determines that they can migrate into a fully-managed SQL Database service in Azure. The assessment revealed no compatibility issues or unsupported features that would prevent them from using Azure SQL Database. </a:t>
+            </a:r>
+          </a:p>
+          <a:p>
+            <a:endParaRPr lang="en-US" b="0" dirty="0">
+              <a:solidFill>
+                <a:srgbClr val="000000"/>
+              </a:solidFill>
+              <a:effectLst/>
+              <a:latin typeface="Consolas" panose="020B0609020204030204" pitchFamily="49" charset="0"/>
+            </a:endParaRPr>
+          </a:p>
+          <a:p>
+            <a:r>
+              <a:rPr lang="en-US" b="0" dirty="0">
+                <a:solidFill>
+                  <a:srgbClr val="000000"/>
+                </a:solidFill>
+                <a:effectLst/>
+                <a:latin typeface="Consolas" panose="020B0609020204030204" pitchFamily="49" charset="0"/>
+              </a:rPr>
+              <a:t>For </a:t>
+            </a:r>
+            <a:r>
+              <a:rPr lang="en-US" b="1" dirty="0">
+                <a:solidFill>
+                  <a:srgbClr val="000000"/>
+                </a:solidFill>
+                <a:effectLst/>
+                <a:latin typeface="Consolas" panose="020B0609020204030204" pitchFamily="49" charset="0"/>
+              </a:rPr>
+              <a:t>async order processing</a:t>
+            </a:r>
+            <a:r>
+              <a:rPr lang="en-US" b="0" dirty="0">
+                <a:solidFill>
+                  <a:srgbClr val="000000"/>
+                </a:solidFill>
+                <a:effectLst/>
+                <a:latin typeface="Consolas" panose="020B0609020204030204" pitchFamily="49" charset="0"/>
+              </a:rPr>
+              <a:t>, Parts Unlimited will modify its e-commerce site to submit order jobs into an Azure Storage Queue. The code change will be minimal. An Azure Function will be implemented to take the jobs from the queue and process orders, create PDF invoices for each order, and finally upload invoices into an Azure Storage Blob to be served to customers through the e-commerce site directly from blobs using SAS links.</a:t>
             </a:r>
           </a:p>
           <a:p>
@@ -898,11 +990,19 @@
                 <a:effectLst/>
                 <a:latin typeface="Consolas" panose="020B0609020204030204" pitchFamily="49" charset="0"/>
               </a:rPr>
-              <a:t>For order processing, Parts Unlimited will modify its e-commerce site to submit order jobs into an Azure Storage Queue. The code change will be minimal. An Azure Function will be implemented to take the jobs from the queue and process orders, create PDF invoices for each order, and finally upload invoices into an Azure Storage Blob to be served to customers through the e-commerce site directly from blobs using SAS links.</a:t>
-            </a:r>
-          </a:p>
-          <a:p>
-            <a:br>
+              <a:t>For DevOps, Parts Unlimited will use a git repository on GitHub to host its codebase. A </a:t>
+            </a:r>
+            <a:r>
+              <a:rPr lang="en-US" b="1" dirty="0">
+                <a:solidFill>
+                  <a:srgbClr val="000000"/>
+                </a:solidFill>
+                <a:effectLst/>
+                <a:latin typeface="Consolas" panose="020B0609020204030204" pitchFamily="49" charset="0"/>
+              </a:rPr>
+              <a:t>CI/CD pipeline </a:t>
+            </a:r>
+            <a:r>
               <a:rPr lang="en-US" b="0" dirty="0">
                 <a:solidFill>
                   <a:srgbClr val="000000"/>
@@ -910,16 +1010,7 @@
                 <a:effectLst/>
                 <a:latin typeface="Consolas" panose="020B0609020204030204" pitchFamily="49" charset="0"/>
               </a:rPr>
-            </a:br>
-            <a:r>
-              <a:rPr lang="en-US" b="0" dirty="0">
-                <a:solidFill>
-                  <a:srgbClr val="000000"/>
-                </a:solidFill>
-                <a:effectLst/>
-                <a:latin typeface="Consolas" panose="020B0609020204030204" pitchFamily="49" charset="0"/>
-              </a:rPr>
-              <a:t>For DevOps, Parts Unlimited will use a git repository on GitHub to host its codebase. A CI/CD pipeline will be hosted on top of GitHub Actions building and deploying the solution to a staging deployment slot in the Azure App Service. Parts Unlimited can swap slots once they are happy with the changes deployed to staging.</a:t>
+              <a:t>will be hosted on top of GitHub Actions building and deploying the solution to a staging deployment slot in the Azure App Service. Parts Unlimited can swap slots once they are happy with the changes deployed to staging.</a:t>
             </a:r>
           </a:p>
           <a:p>
@@ -1032,7 +1123,333 @@
           <a:bodyPr/>
           <a:lstStyle/>
           <a:p>
-            <a:endParaRPr lang="en-US" dirty="0"/>
+            <a:pPr algn="l"/>
+            <a:r>
+              <a:rPr lang="en-US" b="0" i="1" dirty="0">
+                <a:solidFill>
+                  <a:srgbClr val="24292F"/>
+                </a:solidFill>
+                <a:effectLst/>
+                <a:latin typeface="-apple-system"/>
+              </a:rPr>
+              <a:t>Pre-migration</a:t>
+            </a:r>
+            <a:r>
+              <a:rPr lang="en-US" b="0" i="0" dirty="0">
+                <a:solidFill>
+                  <a:srgbClr val="24292F"/>
+                </a:solidFill>
+                <a:effectLst/>
+                <a:latin typeface="-apple-system"/>
+              </a:rPr>
+              <a:t>:</a:t>
+            </a:r>
+          </a:p>
+          <a:p>
+            <a:pPr algn="l">
+              <a:buFont typeface="Arial" panose="020B0604020202020204" pitchFamily="34" charset="0"/>
+              <a:buChar char="•"/>
+            </a:pPr>
+            <a:r>
+              <a:rPr lang="en-US" b="1" i="0" dirty="0">
+                <a:solidFill>
+                  <a:srgbClr val="24292F"/>
+                </a:solidFill>
+                <a:effectLst/>
+                <a:latin typeface="-apple-system"/>
+              </a:rPr>
+              <a:t>Discover</a:t>
+            </a:r>
+            <a:r>
+              <a:rPr lang="en-US" b="0" i="0" dirty="0">
+                <a:solidFill>
+                  <a:srgbClr val="24292F"/>
+                </a:solidFill>
+                <a:effectLst/>
+                <a:latin typeface="-apple-system"/>
+              </a:rPr>
+              <a:t>: Inventory your source database assets and perform an application stack discovery.</a:t>
+            </a:r>
+          </a:p>
+          <a:p>
+            <a:pPr algn="l">
+              <a:buFont typeface="Arial" panose="020B0604020202020204" pitchFamily="34" charset="0"/>
+              <a:buChar char="•"/>
+            </a:pPr>
+            <a:r>
+              <a:rPr lang="en-US" b="1" i="0" dirty="0">
+                <a:solidFill>
+                  <a:srgbClr val="24292F"/>
+                </a:solidFill>
+                <a:effectLst/>
+                <a:latin typeface="-apple-system"/>
+              </a:rPr>
+              <a:t>Assess</a:t>
+            </a:r>
+            <a:r>
+              <a:rPr lang="en-US" b="0" i="0" dirty="0">
+                <a:solidFill>
+                  <a:srgbClr val="24292F"/>
+                </a:solidFill>
+                <a:effectLst/>
+                <a:latin typeface="-apple-system"/>
+              </a:rPr>
+              <a:t>: Assess source workloads and fix recommendations.</a:t>
+            </a:r>
+          </a:p>
+          <a:p>
+            <a:pPr algn="l">
+              <a:buFont typeface="Arial" panose="020B0604020202020204" pitchFamily="34" charset="0"/>
+              <a:buChar char="•"/>
+            </a:pPr>
+            <a:r>
+              <a:rPr lang="en-US" b="1" i="0" dirty="0">
+                <a:solidFill>
+                  <a:srgbClr val="24292F"/>
+                </a:solidFill>
+                <a:effectLst/>
+                <a:latin typeface="-apple-system"/>
+              </a:rPr>
+              <a:t>Convert</a:t>
+            </a:r>
+            <a:r>
+              <a:rPr lang="en-US" b="0" i="0" dirty="0">
+                <a:solidFill>
+                  <a:srgbClr val="24292F"/>
+                </a:solidFill>
+                <a:effectLst/>
+                <a:latin typeface="-apple-system"/>
+              </a:rPr>
+              <a:t>: Convert the source schema to work in the target environment. This is only relevant for heterogeneous migrations.</a:t>
+            </a:r>
+          </a:p>
+          <a:p>
+            <a:pPr algn="l">
+              <a:buFont typeface="Arial" panose="020B0604020202020204" pitchFamily="34" charset="0"/>
+              <a:buChar char="•"/>
+            </a:pPr>
+            <a:endParaRPr lang="en-US" b="0" i="0" dirty="0">
+              <a:solidFill>
+                <a:srgbClr val="24292F"/>
+              </a:solidFill>
+              <a:effectLst/>
+              <a:latin typeface="-apple-system"/>
+            </a:endParaRPr>
+          </a:p>
+          <a:p>
+            <a:pPr algn="l"/>
+            <a:r>
+              <a:rPr lang="en-US" b="0" i="1" dirty="0">
+                <a:solidFill>
+                  <a:srgbClr val="24292F"/>
+                </a:solidFill>
+                <a:effectLst/>
+                <a:latin typeface="-apple-system"/>
+              </a:rPr>
+              <a:t>Migration</a:t>
+            </a:r>
+            <a:r>
+              <a:rPr lang="en-US" b="0" i="0" dirty="0">
+                <a:solidFill>
+                  <a:srgbClr val="24292F"/>
+                </a:solidFill>
+                <a:effectLst/>
+                <a:latin typeface="-apple-system"/>
+              </a:rPr>
+              <a:t>:</a:t>
+            </a:r>
+          </a:p>
+          <a:p>
+            <a:pPr algn="l">
+              <a:buFont typeface="Arial" panose="020B0604020202020204" pitchFamily="34" charset="0"/>
+              <a:buChar char="•"/>
+            </a:pPr>
+            <a:r>
+              <a:rPr lang="en-US" b="1" i="0" dirty="0">
+                <a:solidFill>
+                  <a:srgbClr val="24292F"/>
+                </a:solidFill>
+                <a:effectLst/>
+                <a:latin typeface="-apple-system"/>
+              </a:rPr>
+              <a:t>Migrate schema, data, and objects</a:t>
+            </a:r>
+            <a:r>
+              <a:rPr lang="en-US" b="0" i="0" dirty="0">
+                <a:solidFill>
+                  <a:srgbClr val="24292F"/>
+                </a:solidFill>
+                <a:effectLst/>
+                <a:latin typeface="-apple-system"/>
+              </a:rPr>
+              <a:t>: Migrate the source schema and then migrate the source data to the target.</a:t>
+            </a:r>
+          </a:p>
+          <a:p>
+            <a:pPr algn="l">
+              <a:buFont typeface="Arial" panose="020B0604020202020204" pitchFamily="34" charset="0"/>
+              <a:buChar char="•"/>
+            </a:pPr>
+            <a:r>
+              <a:rPr lang="en-US" b="1" i="0" dirty="0">
+                <a:solidFill>
+                  <a:srgbClr val="24292F"/>
+                </a:solidFill>
+                <a:effectLst/>
+                <a:latin typeface="-apple-system"/>
+              </a:rPr>
+              <a:t>Sync data</a:t>
+            </a:r>
+            <a:r>
+              <a:rPr lang="en-US" b="0" i="0" dirty="0">
+                <a:solidFill>
+                  <a:srgbClr val="24292F"/>
+                </a:solidFill>
+                <a:effectLst/>
+                <a:latin typeface="-apple-system"/>
+              </a:rPr>
+              <a:t>: Sync your target schema and data with the source. This is only relevant for minimal-downtime migrations.</a:t>
+            </a:r>
+          </a:p>
+          <a:p>
+            <a:pPr algn="l">
+              <a:buFont typeface="Arial" panose="020B0604020202020204" pitchFamily="34" charset="0"/>
+              <a:buChar char="•"/>
+            </a:pPr>
+            <a:r>
+              <a:rPr lang="en-US" b="1" i="0" dirty="0">
+                <a:solidFill>
+                  <a:srgbClr val="24292F"/>
+                </a:solidFill>
+                <a:effectLst/>
+                <a:latin typeface="-apple-system"/>
+              </a:rPr>
+              <a:t>Cutover</a:t>
+            </a:r>
+            <a:r>
+              <a:rPr lang="en-US" b="0" i="0" dirty="0">
+                <a:solidFill>
+                  <a:srgbClr val="24292F"/>
+                </a:solidFill>
+                <a:effectLst/>
+                <a:latin typeface="-apple-system"/>
+              </a:rPr>
+              <a:t>: Cutover from the source to the target environment. This is only relevant for minimal-downtime migrations.</a:t>
+            </a:r>
+          </a:p>
+          <a:p>
+            <a:pPr algn="l">
+              <a:buFont typeface="Arial" panose="020B0604020202020204" pitchFamily="34" charset="0"/>
+              <a:buChar char="•"/>
+            </a:pPr>
+            <a:endParaRPr lang="en-US" b="0" i="0" dirty="0">
+              <a:solidFill>
+                <a:srgbClr val="24292F"/>
+              </a:solidFill>
+              <a:effectLst/>
+              <a:latin typeface="-apple-system"/>
+            </a:endParaRPr>
+          </a:p>
+          <a:p>
+            <a:pPr algn="l"/>
+            <a:r>
+              <a:rPr lang="en-US" b="0" i="1" dirty="0">
+                <a:solidFill>
+                  <a:srgbClr val="24292F"/>
+                </a:solidFill>
+                <a:effectLst/>
+                <a:latin typeface="-apple-system"/>
+              </a:rPr>
+              <a:t>Post-migration</a:t>
+            </a:r>
+            <a:r>
+              <a:rPr lang="en-US" b="0" i="0" dirty="0">
+                <a:solidFill>
+                  <a:srgbClr val="24292F"/>
+                </a:solidFill>
+                <a:effectLst/>
+                <a:latin typeface="-apple-system"/>
+              </a:rPr>
+              <a:t>:</a:t>
+            </a:r>
+          </a:p>
+          <a:p>
+            <a:pPr algn="l">
+              <a:buFont typeface="Arial" panose="020B0604020202020204" pitchFamily="34" charset="0"/>
+              <a:buChar char="•"/>
+            </a:pPr>
+            <a:r>
+              <a:rPr lang="en-US" b="1" i="0" dirty="0">
+                <a:solidFill>
+                  <a:srgbClr val="24292F"/>
+                </a:solidFill>
+                <a:effectLst/>
+                <a:latin typeface="-apple-system"/>
+              </a:rPr>
+              <a:t>Remediate applications</a:t>
+            </a:r>
+            <a:r>
+              <a:rPr lang="en-US" b="0" i="0" dirty="0">
+                <a:solidFill>
+                  <a:srgbClr val="24292F"/>
+                </a:solidFill>
+                <a:effectLst/>
+                <a:latin typeface="-apple-system"/>
+              </a:rPr>
+              <a:t>: Iteratively make any necessary changes to your applications.</a:t>
+            </a:r>
+          </a:p>
+          <a:p>
+            <a:pPr algn="l">
+              <a:buFont typeface="Arial" panose="020B0604020202020204" pitchFamily="34" charset="0"/>
+              <a:buChar char="•"/>
+            </a:pPr>
+            <a:r>
+              <a:rPr lang="en-US" b="1" i="0" dirty="0">
+                <a:solidFill>
+                  <a:srgbClr val="24292F"/>
+                </a:solidFill>
+                <a:effectLst/>
+                <a:latin typeface="-apple-system"/>
+              </a:rPr>
+              <a:t>Perform Tests</a:t>
+            </a:r>
+            <a:r>
+              <a:rPr lang="en-US" b="0" i="0" dirty="0">
+                <a:solidFill>
+                  <a:srgbClr val="24292F"/>
+                </a:solidFill>
+                <a:effectLst/>
+                <a:latin typeface="-apple-system"/>
+              </a:rPr>
+              <a:t>: Iteratively run functional and performance tests.</a:t>
+            </a:r>
+          </a:p>
+          <a:p>
+            <a:pPr algn="l">
+              <a:buFont typeface="Arial" panose="020B0604020202020204" pitchFamily="34" charset="0"/>
+              <a:buChar char="•"/>
+            </a:pPr>
+            <a:r>
+              <a:rPr lang="en-US" b="1" i="0" dirty="0">
+                <a:solidFill>
+                  <a:srgbClr val="24292F"/>
+                </a:solidFill>
+                <a:effectLst/>
+                <a:latin typeface="-apple-system"/>
+              </a:rPr>
+              <a:t>Optimize</a:t>
+            </a:r>
+            <a:r>
+              <a:rPr lang="en-US" b="0" i="0" dirty="0">
+                <a:solidFill>
+                  <a:srgbClr val="24292F"/>
+                </a:solidFill>
+                <a:effectLst/>
+                <a:latin typeface="-apple-system"/>
+              </a:rPr>
+              <a:t>: Based on the tests you performed, address any performance issues, and then retest to confirm the performance improvements.</a:t>
+            </a:r>
           </a:p>
         </p:txBody>
       </p:sp>
@@ -1043,7 +1460,7 @@
             <a:spLocks noGrp="1"/>
           </p:cNvSpPr>
           <p:nvPr>
-            <p:ph type="sldNum" sz="quarter" idx="10"/>
+            <p:ph type="sldNum" sz="quarter" idx="5"/>
           </p:nvPr>
         </p:nvSpPr>
         <p:spPr/>
@@ -1062,7 +1479,7 @@
     </p:spTree>
     <p:extLst>
       <p:ext uri="{BB962C8B-B14F-4D97-AF65-F5344CB8AC3E}">
-        <p14:creationId xmlns:p14="http://schemas.microsoft.com/office/powerpoint/2010/main" val="1864113248"/>
+        <p14:creationId xmlns:p14="http://schemas.microsoft.com/office/powerpoint/2010/main" val="2954994722"/>
       </p:ext>
     </p:extLst>
   </p:cSld>
@@ -1156,6 +1573,19 @@
               <a:buFontTx/>
               <a:buChar char="-"/>
             </a:pPr>
+            <a:endParaRPr lang="en-US" b="0" i="0" dirty="0">
+              <a:solidFill>
+                <a:srgbClr val="24292E"/>
+              </a:solidFill>
+              <a:effectLst/>
+              <a:latin typeface="-apple-system"/>
+            </a:endParaRPr>
+          </a:p>
+          <a:p>
+            <a:pPr marL="171450" indent="-171450">
+              <a:buFontTx/>
+              <a:buChar char="-"/>
+            </a:pPr>
             <a:r>
               <a:rPr lang="en-US" b="0" i="0" dirty="0">
                 <a:solidFill>
@@ -1200,14 +1630,13 @@
               <a:buFontTx/>
               <a:buChar char="-"/>
             </a:pPr>
-            <a:r>
-              <a:rPr lang="en-US" b="1" dirty="0"/>
-              <a:t>The Data Migration Assistant (DMA) </a:t>
-            </a:r>
-            <a:r>
-              <a:rPr lang="en-US" dirty="0"/>
-              <a:t>enables you to upgrade to a modern data platform by detecting compatibility and feature parity issues that can impact an upgrade or migration to your target version of SQL Server or Azure SQL Database. DMA also provides recommendations on performance and reliability improvements you can make once your databases have been migrated to your target environment. It allows you to move your schema, data, and uncontained objects (SQL Agent jobs, SSIS packages, roles, users, and logins) from your source server to your target server.</a:t>
-            </a:r>
+            <a:endParaRPr lang="en-US" b="0" i="0" dirty="0">
+              <a:solidFill>
+                <a:srgbClr val="24292E"/>
+              </a:solidFill>
+              <a:effectLst/>
+              <a:latin typeface="-apple-system"/>
+            </a:endParaRPr>
           </a:p>
           <a:p>
             <a:pPr marL="171450" indent="-171450">
@@ -1216,6 +1645,27 @@
             </a:pPr>
             <a:r>
               <a:rPr lang="en-US" b="1" dirty="0"/>
+              <a:t>The Data Migration Assistant (DMA) </a:t>
+            </a:r>
+            <a:r>
+              <a:rPr lang="en-US" dirty="0"/>
+              <a:t>enables you to upgrade to a modern data platform by detecting compatibility and feature parity issues that can impact an upgrade or migration to your target version of SQL Server or Azure SQL Database. DMA also provides recommendations on performance and reliability improvements you can make once your databases have been migrated to your target environment. It allows you to move your schema, data, and uncontained objects (SQL Agent jobs, SSIS packages, roles, users, and logins) from your source server to your target server.</a:t>
+            </a:r>
+          </a:p>
+          <a:p>
+            <a:pPr marL="171450" indent="-171450">
+              <a:buFontTx/>
+              <a:buChar char="-"/>
+            </a:pPr>
+            <a:endParaRPr lang="en-US" dirty="0"/>
+          </a:p>
+          <a:p>
+            <a:pPr marL="171450" indent="-171450">
+              <a:buFontTx/>
+              <a:buChar char="-"/>
+            </a:pPr>
+            <a:r>
+              <a:rPr lang="en-US" b="1" dirty="0"/>
               <a:t>The Database Experimentation Assistant (DEA) </a:t>
             </a:r>
             <a:r>
@@ -1230,6 +1680,13 @@
               <a:rPr lang="en-US" dirty="0"/>
               <a:t>solution for SQL Server upgrades. It assists in evaluating specific workloads against a targeted version of SQL Server or SQL Database. DEA is not a migration tool but can be used to help determine the appropriate target version of SQL Server or SQL Database for migrations.</a:t>
             </a:r>
+          </a:p>
+          <a:p>
+            <a:pPr marL="171450" indent="-171450">
+              <a:buFontTx/>
+              <a:buChar char="-"/>
+            </a:pPr>
+            <a:endParaRPr lang="en-US" dirty="0"/>
           </a:p>
           <a:p>
             <a:pPr marL="171450" indent="-171450">
@@ -1331,80 +1788,6 @@
           <a:bodyPr/>
           <a:lstStyle/>
           <a:p>
-            <a:r>
-              <a:rPr lang="en-US" b="0" i="0" dirty="0">
-                <a:solidFill>
-                  <a:srgbClr val="171717"/>
-                </a:solidFill>
-                <a:effectLst/>
-                <a:latin typeface="Segoe UI" panose="020B0502040204020203" pitchFamily="34" charset="0"/>
-              </a:rPr>
-              <a:t>The </a:t>
-            </a:r>
-            <a:r>
-              <a:rPr lang="en-US" b="0" i="0" u="none" strike="noStrike" dirty="0">
-                <a:effectLst/>
-                <a:latin typeface="Segoe UI" panose="020B0502040204020203" pitchFamily="34" charset="0"/>
-                <a:hlinkClick r:id="rId3"/>
-              </a:rPr>
-              <a:t>.NET Portability Analyzer</a:t>
-            </a:r>
-            <a:r>
-              <a:rPr lang="en-US" b="0" i="0" dirty="0">
-                <a:solidFill>
-                  <a:srgbClr val="171717"/>
-                </a:solidFill>
-                <a:effectLst/>
-                <a:latin typeface="Segoe UI" panose="020B0502040204020203" pitchFamily="34" charset="0"/>
-              </a:rPr>
-              <a:t> is a tool that analyzes assemblies and provides a detailed report on .NET APIs that are missing for the applications or libraries to be portable on your specified targeted .NET platforms. The Portability Analyzer is offered as a </a:t>
-            </a:r>
-            <a:r>
-              <a:rPr lang="en-US" b="0" i="0" u="none" strike="noStrike" dirty="0">
-                <a:effectLst/>
-                <a:latin typeface="Segoe UI" panose="020B0502040204020203" pitchFamily="34" charset="0"/>
-                <a:hlinkClick r:id="rId4"/>
-              </a:rPr>
-              <a:t>Visual Studio Extension</a:t>
-            </a:r>
-            <a:r>
-              <a:rPr lang="en-US" b="0" i="0" dirty="0">
-                <a:solidFill>
-                  <a:srgbClr val="171717"/>
-                </a:solidFill>
-                <a:effectLst/>
-                <a:latin typeface="Segoe UI" panose="020B0502040204020203" pitchFamily="34" charset="0"/>
-              </a:rPr>
-              <a:t>, which analyzes one assembly per project, and as an </a:t>
-            </a:r>
-            <a:r>
-              <a:rPr lang="en-US" b="0" i="0" u="none" strike="noStrike" dirty="0">
-                <a:effectLst/>
-                <a:latin typeface="Segoe UI" panose="020B0502040204020203" pitchFamily="34" charset="0"/>
-                <a:hlinkClick r:id="rId5"/>
-              </a:rPr>
-              <a:t>ApiPort console app</a:t>
-            </a:r>
-            <a:r>
-              <a:rPr lang="en-US" b="0" i="0" dirty="0">
-                <a:solidFill>
-                  <a:srgbClr val="171717"/>
-                </a:solidFill>
-                <a:effectLst/>
-                <a:latin typeface="Segoe UI" panose="020B0502040204020203" pitchFamily="34" charset="0"/>
-              </a:rPr>
-              <a:t>, which analyzes assemblies by specified files or directory. </a:t>
-            </a:r>
-            <a:r>
-              <a:rPr lang="en-US" b="0" i="0" dirty="0">
-                <a:solidFill>
-                  <a:srgbClr val="24292E"/>
-                </a:solidFill>
-                <a:effectLst/>
-                <a:latin typeface="-apple-system"/>
-              </a:rPr>
-              <a:t>Here you see a DGML file showing dependencies in the Parts Unlimited web application.</a:t>
-            </a:r>
             <a:endParaRPr lang="en-US" dirty="0"/>
           </a:p>
         </p:txBody>
@@ -1416,7 +1799,7 @@
             <a:spLocks noGrp="1"/>
           </p:cNvSpPr>
           <p:nvPr>
-            <p:ph type="sldNum" sz="quarter" idx="5"/>
+            <p:ph type="sldNum" sz="quarter" idx="10"/>
           </p:nvPr>
         </p:nvSpPr>
         <p:spPr/>
@@ -1435,7 +1818,7 @@
     </p:spTree>
     <p:extLst>
       <p:ext uri="{BB962C8B-B14F-4D97-AF65-F5344CB8AC3E}">
-        <p14:creationId xmlns:p14="http://schemas.microsoft.com/office/powerpoint/2010/main" val="2693546900"/>
+        <p14:creationId xmlns:p14="http://schemas.microsoft.com/office/powerpoint/2010/main" val="1864113248"/>
       </p:ext>
     </p:extLst>
   </p:cSld>
@@ -1489,10 +1872,70 @@
           <a:bodyPr/>
           <a:lstStyle/>
           <a:p>
-            <a:pPr marL="171450" indent="-171450">
-              <a:buFont typeface="Arial" panose="020B0604020202020204" pitchFamily="34" charset="0"/>
-              <a:buChar char="•"/>
-            </a:pPr>
+            <a:r>
+              <a:rPr lang="en-US" b="0" i="0" dirty="0">
+                <a:solidFill>
+                  <a:srgbClr val="171717"/>
+                </a:solidFill>
+                <a:effectLst/>
+                <a:latin typeface="Segoe UI" panose="020B0502040204020203" pitchFamily="34" charset="0"/>
+              </a:rPr>
+              <a:t>The </a:t>
+            </a:r>
+            <a:r>
+              <a:rPr lang="en-US" b="0" i="0" u="none" strike="noStrike" dirty="0">
+                <a:effectLst/>
+                <a:latin typeface="Segoe UI" panose="020B0502040204020203" pitchFamily="34" charset="0"/>
+                <a:hlinkClick r:id="rId3"/>
+              </a:rPr>
+              <a:t>.NET Portability Analyzer</a:t>
+            </a:r>
+            <a:r>
+              <a:rPr lang="en-US" b="0" i="0" dirty="0">
+                <a:solidFill>
+                  <a:srgbClr val="171717"/>
+                </a:solidFill>
+                <a:effectLst/>
+                <a:latin typeface="Segoe UI" panose="020B0502040204020203" pitchFamily="34" charset="0"/>
+              </a:rPr>
+              <a:t> is a tool that analyzes assemblies and provides a detailed report on .NET APIs that are missing for the applications or libraries to be portable on your specified targeted .NET platforms. The Portability Analyzer is offered as a </a:t>
+            </a:r>
+            <a:r>
+              <a:rPr lang="en-US" b="0" i="0" u="none" strike="noStrike" dirty="0">
+                <a:effectLst/>
+                <a:latin typeface="Segoe UI" panose="020B0502040204020203" pitchFamily="34" charset="0"/>
+                <a:hlinkClick r:id="rId4"/>
+              </a:rPr>
+              <a:t>Visual Studio Extension</a:t>
+            </a:r>
+            <a:r>
+              <a:rPr lang="en-US" b="0" i="0" dirty="0">
+                <a:solidFill>
+                  <a:srgbClr val="171717"/>
+                </a:solidFill>
+                <a:effectLst/>
+                <a:latin typeface="Segoe UI" panose="020B0502040204020203" pitchFamily="34" charset="0"/>
+              </a:rPr>
+              <a:t>, which analyzes one assembly per project, and as an </a:t>
+            </a:r>
+            <a:r>
+              <a:rPr lang="en-US" b="0" i="0" u="none" strike="noStrike" dirty="0">
+                <a:effectLst/>
+                <a:latin typeface="Segoe UI" panose="020B0502040204020203" pitchFamily="34" charset="0"/>
+                <a:hlinkClick r:id="rId5"/>
+              </a:rPr>
+              <a:t>ApiPort console app</a:t>
+            </a:r>
+            <a:r>
+              <a:rPr lang="en-US" b="0" i="0" dirty="0">
+                <a:solidFill>
+                  <a:srgbClr val="171717"/>
+                </a:solidFill>
+                <a:effectLst/>
+                <a:latin typeface="Segoe UI" panose="020B0502040204020203" pitchFamily="34" charset="0"/>
+              </a:rPr>
+              <a:t>, which analyzes assemblies by specified files or directory. </a:t>
+            </a:r>
             <a:r>
               <a:rPr lang="en-US" b="0" i="0" dirty="0">
                 <a:solidFill>
@@ -1501,120 +1944,9 @@
                 <a:effectLst/>
                 <a:latin typeface="-apple-system"/>
               </a:rPr>
-              <a:t>Azure Functions can be used to develop a solution that can ingest order jobs from an </a:t>
-            </a:r>
-            <a:r>
-              <a:rPr lang="en-US" b="1" i="0" dirty="0">
-                <a:solidFill>
-                  <a:srgbClr val="24292E"/>
-                </a:solidFill>
-                <a:effectLst/>
-                <a:latin typeface="-apple-system"/>
-              </a:rPr>
-              <a:t>Azure Storage Queue </a:t>
-            </a:r>
-            <a:r>
-              <a:rPr lang="en-US" b="0" i="0" dirty="0">
-                <a:solidFill>
-                  <a:srgbClr val="24292E"/>
-                </a:solidFill>
-                <a:effectLst/>
-                <a:latin typeface="-apple-system"/>
-              </a:rPr>
-              <a:t>and process orders at scale. The only code change required on the web application would relate to adding jobs into the queue. </a:t>
-            </a:r>
-            <a:r>
-              <a:rPr lang="en-US" b="1" i="0" dirty="0">
-                <a:solidFill>
-                  <a:srgbClr val="24292E"/>
-                </a:solidFill>
-                <a:effectLst/>
-                <a:latin typeface="-apple-system"/>
-              </a:rPr>
-              <a:t>Azure Functions consumption plan </a:t>
-            </a:r>
-            <a:r>
-              <a:rPr lang="en-US" b="0" i="0" dirty="0">
-                <a:solidFill>
-                  <a:srgbClr val="24292E"/>
-                </a:solidFill>
-                <a:effectLst/>
-                <a:latin typeface="-apple-system"/>
-              </a:rPr>
-              <a:t>provides instances of the Functions host that are dynamically added and removed based on incoming events. The consumption plan is aligned with Parts Unlimited's requirements. Parts Unlimited pays only when the functions are running, and the platform scales automatically, even during periods of high load. For PDF generation Function will be using headless Chromium that only works on Linux. Parts Unlimited can deploy their function to </a:t>
-            </a:r>
-            <a:r>
-              <a:rPr lang="en-US" b="1" i="0" dirty="0">
-                <a:solidFill>
-                  <a:srgbClr val="24292E"/>
-                </a:solidFill>
-                <a:effectLst/>
-                <a:latin typeface="-apple-system"/>
-              </a:rPr>
-              <a:t>Linux Consumption Plans </a:t>
-            </a:r>
-            <a:r>
-              <a:rPr lang="en-US" b="0" i="0" dirty="0">
-                <a:solidFill>
-                  <a:srgbClr val="24292E"/>
-                </a:solidFill>
-                <a:effectLst/>
-                <a:latin typeface="-apple-system"/>
-              </a:rPr>
-              <a:t>to make their solution work.</a:t>
-            </a:r>
-          </a:p>
-          <a:p>
-            <a:pPr marL="171450" indent="-171450">
-              <a:buFont typeface="Arial" panose="020B0604020202020204" pitchFamily="34" charset="0"/>
-              <a:buChar char="•"/>
-            </a:pPr>
-            <a:r>
-              <a:rPr lang="en-US" dirty="0"/>
-              <a:t>Application Insights, </a:t>
-            </a:r>
-            <a:r>
-              <a:rPr lang="en-US" b="1" dirty="0"/>
-              <a:t>a feature of Azure Monitor</a:t>
-            </a:r>
-            <a:r>
-              <a:rPr lang="en-US" dirty="0"/>
-              <a:t>, is an extensible </a:t>
-            </a:r>
-            <a:r>
-              <a:rPr lang="en-US" b="1" dirty="0"/>
-              <a:t>Application Performance Management (APM</a:t>
-            </a:r>
-            <a:r>
-              <a:rPr lang="en-US" dirty="0"/>
-              <a:t>) service for developers and DevOps professionals. Parts Unlimited can use it to monitor their e-commerce application live. Application Insights will automatically </a:t>
-            </a:r>
-            <a:r>
-              <a:rPr lang="en-US" b="1" dirty="0"/>
-              <a:t>detect performance anomalies </a:t>
-            </a:r>
-            <a:r>
-              <a:rPr lang="en-US" dirty="0"/>
-              <a:t>and include powerful analytics tools to help developers diagnose issues and understand what users actually do with their app. It's designed to help developers continuously improve performance and usability. </a:t>
-            </a:r>
-          </a:p>
-          <a:p>
-            <a:pPr marL="171450" indent="-171450">
-              <a:buFont typeface="Arial" panose="020B0604020202020204" pitchFamily="34" charset="0"/>
-              <a:buChar char="•"/>
-            </a:pPr>
-            <a:r>
-              <a:rPr lang="en-US" dirty="0"/>
-              <a:t>Serverless is a compute tier for single databases in Azure SQL Database that automatically scales compute based on workload demand and bills for the amount of compute used per second. The </a:t>
-            </a:r>
-            <a:r>
-              <a:rPr lang="en-US" b="1" dirty="0"/>
-              <a:t>serverless compute tier </a:t>
-            </a:r>
-            <a:r>
-              <a:rPr lang="en-US" dirty="0"/>
-              <a:t>also automatically pauses databases during inactive periods when only storage is billed and automatically resumes databases when activity returns. The serverless compute tier for single databases in Azure SQL Database is parameterized by a compute autoscaling range and an auto-pause delay. The configuration of these parameters shapes the database performance experience and compute cost.</a:t>
-            </a:r>
+              <a:t>Here you see a DGML file showing dependencies in the Parts Unlimited web application.</a:t>
+            </a:r>
+            <a:endParaRPr lang="en-US" dirty="0"/>
           </a:p>
         </p:txBody>
       </p:sp>
@@ -1644,7 +1976,7 @@
     </p:spTree>
     <p:extLst>
       <p:ext uri="{BB962C8B-B14F-4D97-AF65-F5344CB8AC3E}">
-        <p14:creationId xmlns:p14="http://schemas.microsoft.com/office/powerpoint/2010/main" val="1941804589"/>
+        <p14:creationId xmlns:p14="http://schemas.microsoft.com/office/powerpoint/2010/main" val="2693546900"/>
       </p:ext>
     </p:extLst>
   </p:cSld>
@@ -1710,7 +2042,7 @@
                 <a:effectLst/>
                 <a:latin typeface="-apple-system"/>
               </a:rPr>
-              <a:t>When you deploy your web app to Azure App Service, you can use a separate deployment slot instead of the default production slot. </a:t>
+              <a:t>Azure Functions can be used to develop a solution that can ingest order jobs from an </a:t>
             </a:r>
             <a:r>
               <a:rPr lang="en-US" b="1" i="0" dirty="0">
@@ -1720,7 +2052,7 @@
                 <a:effectLst/>
                 <a:latin typeface="-apple-system"/>
               </a:rPr>
-              <a:t>Deployment slots </a:t>
+              <a:t>Azure Storage Queue </a:t>
             </a:r>
             <a:r>
               <a:rPr lang="en-US" b="0" i="0" dirty="0">
@@ -1730,14 +2062,8 @@
                 <a:effectLst/>
                 <a:latin typeface="-apple-system"/>
               </a:rPr>
-              <a:t>are live apps with their hostnames. App content and configuration elements can be swapped between two deployment slots, including the production slot. Deploying your application to a non-production slot helps you validate app changes in a staging deployment slot before swapping it with the production slot. After a swap, the slot with the previously staged app now has the previous production app. If the changes swapped into the production slot aren't as you expect, you can immediately perform the same swap to get your "last known good site" back.</a:t>
-            </a:r>
-          </a:p>
-          <a:p>
-            <a:pPr marL="171450" indent="-171450">
-              <a:buFont typeface="Arial" panose="020B0604020202020204" pitchFamily="34" charset="0"/>
-              <a:buChar char="•"/>
-            </a:pPr>
+              <a:t>and process orders at scale. The only code change required on the web application would relate to adding jobs into the queue. </a:t>
+            </a:r>
             <a:r>
               <a:rPr lang="en-US" b="1" i="0" dirty="0">
                 <a:solidFill>
@@ -1746,7 +2072,7 @@
                 <a:effectLst/>
                 <a:latin typeface="-apple-system"/>
               </a:rPr>
-              <a:t>GitHub Actions </a:t>
+              <a:t>Azure Functions consumption plan </a:t>
             </a:r>
             <a:r>
               <a:rPr lang="en-US" b="0" i="0" dirty="0">
@@ -1756,7 +2082,7 @@
                 <a:effectLst/>
                 <a:latin typeface="-apple-system"/>
               </a:rPr>
-              <a:t>is an excellent place to automate, customize, and execute your software development workflows right in your repository with. Developers can build, test, and deploy their code right from GitHub. App Service comes with a Deployment Center functionality that streamlines GitHub integration. Parts Unlimited can use the </a:t>
+              <a:t>provides instances of the Functions host that are dynamically added and removed based on incoming events. The consumption plan is aligned with Parts Unlimited's requirements. Parts Unlimited pays only when the functions are running, and the platform scales automatically, even during periods of high load. For PDF generation Function will be using headless Chromium that only works on Linux. Parts Unlimited can deploy their function to </a:t>
             </a:r>
             <a:r>
               <a:rPr lang="en-US" b="1" i="0" dirty="0">
@@ -1766,7 +2092,7 @@
                 <a:effectLst/>
                 <a:latin typeface="-apple-system"/>
               </a:rPr>
-              <a:t>Deployment Center </a:t>
+              <a:t>Linux Consumption Plans </a:t>
             </a:r>
             <a:r>
               <a:rPr lang="en-US" b="0" i="0" dirty="0">
@@ -1776,9 +2102,80 @@
                 <a:effectLst/>
                 <a:latin typeface="-apple-system"/>
               </a:rPr>
-              <a:t>to create a CI/CD pipeline targeting a staging App Service Deployment Slot.</a:t>
-            </a:r>
+              <a:t>to make their solution work.</a:t>
+            </a:r>
+          </a:p>
+          <a:p>
+            <a:pPr marL="171450" indent="-171450">
+              <a:buFont typeface="Arial" panose="020B0604020202020204" pitchFamily="34" charset="0"/>
+              <a:buChar char="•"/>
+            </a:pPr>
+            <a:endParaRPr lang="en-US" b="0" i="0" dirty="0">
+              <a:solidFill>
+                <a:srgbClr val="24292E"/>
+              </a:solidFill>
+              <a:effectLst/>
+              <a:latin typeface="-apple-system"/>
+            </a:endParaRPr>
+          </a:p>
+          <a:p>
+            <a:pPr marL="171450" indent="-171450">
+              <a:buFont typeface="Arial" panose="020B0604020202020204" pitchFamily="34" charset="0"/>
+              <a:buChar char="•"/>
+            </a:pPr>
+            <a:r>
+              <a:rPr lang="en-US" dirty="0"/>
+              <a:t>Application Insights, </a:t>
+            </a:r>
+            <a:r>
+              <a:rPr lang="en-US" b="1" dirty="0"/>
+              <a:t>a feature of Azure Monitor</a:t>
+            </a:r>
+            <a:r>
+              <a:rPr lang="en-US" dirty="0"/>
+              <a:t>, is an extensible </a:t>
+            </a:r>
+            <a:r>
+              <a:rPr lang="en-US" b="1" dirty="0"/>
+              <a:t>Application Performance Management (APM</a:t>
+            </a:r>
+            <a:r>
+              <a:rPr lang="en-US" dirty="0"/>
+              <a:t>) service for developers and DevOps professionals. Parts Unlimited can use it to monitor their e-commerce application live. Application Insights will automatically </a:t>
+            </a:r>
+            <a:r>
+              <a:rPr lang="en-US" b="1" dirty="0"/>
+              <a:t>detect performance anomalies </a:t>
+            </a:r>
+            <a:r>
+              <a:rPr lang="en-US" dirty="0"/>
+              <a:t>and include powerful analytics tools to help developers diagnose issues and understand what users actually do with their app. It's designed to help developers continuously improve performance and usability. </a:t>
+            </a:r>
+          </a:p>
+          <a:p>
+            <a:pPr marL="171450" indent="-171450">
+              <a:buFont typeface="Arial" panose="020B0604020202020204" pitchFamily="34" charset="0"/>
+              <a:buChar char="•"/>
+            </a:pPr>
             <a:endParaRPr lang="en-US" dirty="0"/>
+          </a:p>
+          <a:p>
+            <a:pPr marL="171450" indent="-171450">
+              <a:buFont typeface="Arial" panose="020B0604020202020204" pitchFamily="34" charset="0"/>
+              <a:buChar char="•"/>
+            </a:pPr>
+            <a:r>
+              <a:rPr lang="en-US" dirty="0"/>
+              <a:t>Serverless is a compute tier for single databases in Azure SQL Database that automatically scales compute based on workload demand and bills for the amount of compute used per second. The </a:t>
+            </a:r>
+            <a:r>
+              <a:rPr lang="en-US" b="1" dirty="0"/>
+              <a:t>serverless compute tier </a:t>
+            </a:r>
+            <a:r>
+              <a:rPr lang="en-US" dirty="0"/>
+              <a:t>also automatically pauses databases during inactive periods when only storage is billed and automatically resumes databases when activity returns. The serverless compute tier for single databases in Azure SQL Database is parameterized by a compute autoscaling range and an auto-pause delay. The configuration of these parameters shapes the database performance experience and compute cost.</a:t>
+            </a:r>
           </a:p>
         </p:txBody>
       </p:sp>
@@ -1808,7 +2205,7 @@
     </p:spTree>
     <p:extLst>
       <p:ext uri="{BB962C8B-B14F-4D97-AF65-F5344CB8AC3E}">
-        <p14:creationId xmlns:p14="http://schemas.microsoft.com/office/powerpoint/2010/main" val="3490792990"/>
+        <p14:creationId xmlns:p14="http://schemas.microsoft.com/office/powerpoint/2010/main" val="1941804589"/>
       </p:ext>
     </p:extLst>
   </p:cSld>
@@ -1862,135 +2259,100 @@
           <a:bodyPr/>
           <a:lstStyle/>
           <a:p>
-            <a:pPr>
-              <a:spcBef>
-                <a:spcPts val="0"/>
-              </a:spcBef>
-              <a:spcAft>
-                <a:spcPts val="0"/>
-              </a:spcAft>
+            <a:pPr marL="171450" indent="-171450">
+              <a:buFont typeface="Arial" panose="020B0604020202020204" pitchFamily="34" charset="0"/>
+              <a:buChar char="•"/>
             </a:pPr>
             <a:r>
-              <a:rPr lang="en-US" sz="6600" dirty="0">
+              <a:rPr lang="en-US" b="0" i="0" dirty="0">
                 <a:solidFill>
-                  <a:srgbClr val="0E101A"/>
+                  <a:srgbClr val="24292E"/>
                 </a:solidFill>
                 <a:effectLst/>
+                <a:latin typeface="-apple-system"/>
               </a:rPr>
-              <a:t>- We have [The .NET Portability Analyzer](</a:t>
-            </a:r>
-            <a:r>
-              <a:rPr lang="en-US" sz="6600" u="sng" dirty="0">
+              <a:t>When you deploy your web app to Azure App Service, you can use a separate deployment slot instead of the default production slot. </a:t>
+            </a:r>
+            <a:r>
+              <a:rPr lang="en-US" b="1" i="0" dirty="0">
                 <a:solidFill>
-                  <a:srgbClr val="0E101A"/>
+                  <a:srgbClr val="24292E"/>
                 </a:solidFill>
                 <a:effectLst/>
+                <a:latin typeface="-apple-system"/>
               </a:rPr>
-              <a:t>https://docs.microsoft.com/en-us/dotnet/standard/analyzers/portability-analyzer</a:t>
-            </a:r>
-            <a:r>
-              <a:rPr lang="en-US" sz="6600" dirty="0">
+              <a:t>Deployment slots </a:t>
+            </a:r>
+            <a:r>
+              <a:rPr lang="en-US" b="0" i="0" dirty="0">
                 <a:solidFill>
-                  <a:srgbClr val="0E101A"/>
+                  <a:srgbClr val="24292E"/>
                 </a:solidFill>
                 <a:effectLst/>
+                <a:latin typeface="-apple-system"/>
               </a:rPr>
-              <a:t>) that can be used to assess how much work is required for a migration. We know projects that can migrate with a single configuration change and others who had to do some work based on the application's complexity and code dependencies. The .NET Portability Analyzer can give you a good idea of how much effort is required to migrate to a newer version, including an assessment of all your code dependencies. </a:t>
-            </a:r>
-          </a:p>
-          <a:p>
-            <a:pPr>
-              <a:spcBef>
-                <a:spcPts val="0"/>
-              </a:spcBef>
-              <a:spcAft>
-                <a:spcPts val="0"/>
-              </a:spcAft>
+              <a:t>are live apps with their hostnames. App content and configuration elements can be swapped between two deployment slots, including the production slot. Deploying your application to a non-production slot helps you validate app changes in a staging deployment slot before swapping it with the production slot. After a swap, the slot with the previously staged app now has the previous production app. If the changes swapped into the production slot aren't as you expect, you can immediately perform the same swap to get your "last known good site" back.</a:t>
+            </a:r>
+          </a:p>
+          <a:p>
+            <a:pPr marL="171450" indent="-171450">
+              <a:buFont typeface="Arial" panose="020B0604020202020204" pitchFamily="34" charset="0"/>
+              <a:buChar char="•"/>
             </a:pPr>
-            <a:r>
-              <a:rPr lang="en-US" sz="6600" dirty="0">
+            <a:endParaRPr lang="en-US" b="0" i="0" dirty="0">
+              <a:solidFill>
+                <a:srgbClr val="24292E"/>
+              </a:solidFill>
+              <a:effectLst/>
+              <a:latin typeface="-apple-system"/>
+            </a:endParaRPr>
+          </a:p>
+          <a:p>
+            <a:pPr marL="171450" indent="-171450">
+              <a:buFont typeface="Arial" panose="020B0604020202020204" pitchFamily="34" charset="0"/>
+              <a:buChar char="•"/>
+            </a:pPr>
+            <a:r>
+              <a:rPr lang="en-US" b="1" i="0" dirty="0">
                 <a:solidFill>
-                  <a:srgbClr val="0E101A"/>
+                  <a:srgbClr val="24292E"/>
                 </a:solidFill>
                 <a:effectLst/>
+                <a:latin typeface="-apple-system"/>
               </a:rPr>
-              <a:t>- When a .NET Core version is </a:t>
-            </a:r>
-            <a:r>
-              <a:rPr lang="en-US" sz="6600" dirty="0" err="1">
+              <a:t>GitHub Actions </a:t>
+            </a:r>
+            <a:r>
+              <a:rPr lang="en-US" b="0" i="0" dirty="0">
                 <a:solidFill>
-                  <a:srgbClr val="0E101A"/>
+                  <a:srgbClr val="24292E"/>
                 </a:solidFill>
                 <a:effectLst/>
+                <a:latin typeface="-apple-system"/>
               </a:rPr>
-              <a:t>EoL</a:t>
-            </a:r>
-            <a:r>
-              <a:rPr lang="en-US" sz="6600" dirty="0">
+              <a:t>is an excellent place to automate, customize, and execute your software development workflows right in your repository with. Developers can build, test, and deploy their code right from GitHub. App Service comes with a Deployment Center functionality that streamlines GitHub integration. Parts Unlimited can use the </a:t>
+            </a:r>
+            <a:r>
+              <a:rPr lang="en-US" b="1" i="0" dirty="0">
                 <a:solidFill>
-                  <a:srgbClr val="0E101A"/>
+                  <a:srgbClr val="24292E"/>
                 </a:solidFill>
                 <a:effectLst/>
+                <a:latin typeface="-apple-system"/>
               </a:rPr>
-              <a:t> (End-of-Life), does that mean we cannot host our solution in Azure?</a:t>
-            </a:r>
-          </a:p>
-          <a:p>
-            <a:pPr>
-              <a:spcBef>
-                <a:spcPts val="0"/>
-              </a:spcBef>
-              <a:spcAft>
-                <a:spcPts val="0"/>
-              </a:spcAft>
-            </a:pPr>
-            <a:r>
-              <a:rPr lang="en-US" sz="6600" dirty="0">
+              <a:t>Deployment Center </a:t>
+            </a:r>
+            <a:r>
+              <a:rPr lang="en-US" b="0" i="0" dirty="0">
                 <a:solidFill>
-                  <a:srgbClr val="0E101A"/>
+                  <a:srgbClr val="24292E"/>
                 </a:solidFill>
                 <a:effectLst/>
+                <a:latin typeface="-apple-system"/>
               </a:rPr>
-              <a:t>- After the End-Of-Lime time, .NET Core patch updates will no longer be available for .NET Core 2.2. Your application will still run. .NET Core 2.2 was released as a non-LTS (Long Term Support) release. A non-LTS ("Current") release is supported for three months after the next release. For hosting applications that you do not intend to update often, we suggest LTS releases. LTS releases include features and components that have been stabilized, requiring few updates over a longer support release lifetime. The supported upgrade path from .NET Core 2.2 is via .NET Core 3.1. .NET Core 3.1 is released December 3, 2019, as a long-term support release. </a:t>
-            </a:r>
-          </a:p>
-          <a:p>
-            <a:pPr>
-              <a:spcBef>
-                <a:spcPts val="0"/>
-              </a:spcBef>
-              <a:spcAft>
-                <a:spcPts val="0"/>
-              </a:spcAft>
-            </a:pPr>
-            <a:r>
-              <a:rPr lang="en-US" sz="6600" dirty="0">
-                <a:solidFill>
-                  <a:srgbClr val="0E101A"/>
-                </a:solidFill>
-                <a:effectLst/>
-              </a:rPr>
-              <a:t>- Azure is an open cloud that offers multiple choices. We suggest App Service if you have a single or a few back-end services in an N-Tier architecture. Azure Kubernetes Services is a better fit for Cloud-Native (Microservices) design.</a:t>
-            </a:r>
-          </a:p>
-          <a:p>
-            <a:pPr>
-              <a:spcBef>
-                <a:spcPts val="0"/>
-              </a:spcBef>
-              <a:spcAft>
-                <a:spcPts val="0"/>
-              </a:spcAft>
-            </a:pPr>
-            <a:r>
-              <a:rPr lang="en-US" sz="6600" dirty="0">
-                <a:solidFill>
-                  <a:srgbClr val="0E101A"/>
-                </a:solidFill>
-                <a:effectLst/>
-              </a:rPr>
-              <a:t>- Azure has 60+ regions, more than any other cloud provider. Our physical infrastructure comprises 160+ physical datacenters arranged into regions and linked by one of the world's largest interconnected networks. We have services such as Azure Traffic Manager for DNS-based traffic load balancing, Azure Front Door, a global, scalable entry-point that uses the Microsoft global edge network to create fast, secure, and widely scalable web applications, and Azure CosmosDB, a globally-distributed planet-scale database service. All these services are ready for implementation and used by millions of customers every day. We would be more than happy to help Parts Unlimited scale its operations globally.</a:t>
-            </a:r>
+              <a:t>to create a CI/CD pipeline targeting a staging App Service Deployment Slot.</a:t>
+            </a:r>
+            <a:endParaRPr lang="en-US" dirty="0"/>
           </a:p>
         </p:txBody>
       </p:sp>
@@ -2001,7 +2363,7 @@
             <a:spLocks noGrp="1"/>
           </p:cNvSpPr>
           <p:nvPr>
-            <p:ph type="sldNum" sz="quarter" idx="10"/>
+            <p:ph type="sldNum" sz="quarter" idx="5"/>
           </p:nvPr>
         </p:nvSpPr>
         <p:spPr/>
@@ -2020,7 +2382,7 @@
     </p:spTree>
     <p:extLst>
       <p:ext uri="{BB962C8B-B14F-4D97-AF65-F5344CB8AC3E}">
-        <p14:creationId xmlns:p14="http://schemas.microsoft.com/office/powerpoint/2010/main" val="4186038490"/>
+        <p14:creationId xmlns:p14="http://schemas.microsoft.com/office/powerpoint/2010/main" val="3490792990"/>
       </p:ext>
     </p:extLst>
   </p:cSld>
@@ -2074,7 +2436,185 @@
           <a:bodyPr/>
           <a:lstStyle/>
           <a:p>
-            <a:endParaRPr lang="en-US" dirty="0"/>
+            <a:pPr>
+              <a:spcBef>
+                <a:spcPts val="0"/>
+              </a:spcBef>
+              <a:spcAft>
+                <a:spcPts val="0"/>
+              </a:spcAft>
+            </a:pPr>
+            <a:r>
+              <a:rPr lang="en-US" sz="6600" dirty="0">
+                <a:solidFill>
+                  <a:srgbClr val="0E101A"/>
+                </a:solidFill>
+                <a:effectLst/>
+              </a:rPr>
+              <a:t>- We have [The .NET Portability Analyzer](</a:t>
+            </a:r>
+            <a:r>
+              <a:rPr lang="en-US" sz="6600" u="sng" dirty="0">
+                <a:solidFill>
+                  <a:srgbClr val="0E101A"/>
+                </a:solidFill>
+                <a:effectLst/>
+              </a:rPr>
+              <a:t>https://docs.microsoft.com/en-us/dotnet/standard/analyzers/portability-analyzer</a:t>
+            </a:r>
+            <a:r>
+              <a:rPr lang="en-US" sz="6600" dirty="0">
+                <a:solidFill>
+                  <a:srgbClr val="0E101A"/>
+                </a:solidFill>
+                <a:effectLst/>
+              </a:rPr>
+              <a:t>) that can be used to assess how much work is required for a migration. We know projects that can migrate with a single configuration change and others who had to do some work based on the application's complexity and code dependencies. The .NET Portability Analyzer can give you a good idea of how much effort is required to migrate to a newer version, including an assessment of all your code dependencies.</a:t>
+            </a:r>
+          </a:p>
+          <a:p>
+            <a:pPr>
+              <a:spcBef>
+                <a:spcPts val="0"/>
+              </a:spcBef>
+              <a:spcAft>
+                <a:spcPts val="0"/>
+              </a:spcAft>
+            </a:pPr>
+            <a:endParaRPr lang="en-US" sz="6600" dirty="0">
+              <a:solidFill>
+                <a:srgbClr val="0E101A"/>
+              </a:solidFill>
+              <a:effectLst/>
+            </a:endParaRPr>
+          </a:p>
+          <a:p>
+            <a:pPr marL="0" indent="0">
+              <a:spcBef>
+                <a:spcPts val="0"/>
+              </a:spcBef>
+              <a:spcAft>
+                <a:spcPts val="0"/>
+              </a:spcAft>
+              <a:buFontTx/>
+              <a:buNone/>
+            </a:pPr>
+            <a:r>
+              <a:rPr lang="en-US" sz="6600" dirty="0">
+                <a:solidFill>
+                  <a:srgbClr val="0E101A"/>
+                </a:solidFill>
+                <a:effectLst/>
+              </a:rPr>
+              <a:t>- When a .NET Core version is </a:t>
+            </a:r>
+            <a:r>
+              <a:rPr lang="en-US" sz="6600" dirty="0" err="1">
+                <a:solidFill>
+                  <a:srgbClr val="0E101A"/>
+                </a:solidFill>
+                <a:effectLst/>
+              </a:rPr>
+              <a:t>EoL</a:t>
+            </a:r>
+            <a:r>
+              <a:rPr lang="en-US" sz="6600" dirty="0">
+                <a:solidFill>
+                  <a:srgbClr val="0E101A"/>
+                </a:solidFill>
+                <a:effectLst/>
+              </a:rPr>
+              <a:t> (End-of-Life), does that mean we cannot host our solution in Azure?</a:t>
+            </a:r>
+          </a:p>
+          <a:p>
+            <a:pPr>
+              <a:spcBef>
+                <a:spcPts val="0"/>
+              </a:spcBef>
+              <a:spcAft>
+                <a:spcPts val="0"/>
+              </a:spcAft>
+            </a:pPr>
+            <a:r>
+              <a:rPr lang="en-US" sz="6600" dirty="0">
+                <a:solidFill>
+                  <a:srgbClr val="0E101A"/>
+                </a:solidFill>
+                <a:effectLst/>
+              </a:rPr>
+              <a:t>After the End-Of-Lime time, .NET Core patch updates will no longer be available for .NET Core 2.2. Your application will still run. .NET Core 2.2 was released as a non-LTS (Long Term Support) release. A non-LTS ("Current") release is supported for three months after the next release. For hosting applications that you do not intend to update often, we suggest LTS releases. LTS releases include features and components that have been stabilized, requiring few updates over a longer support release lifetime. The supported upgrade path from .NET Core 2.2 is via .NET Core 3.1. .NET Core 3.1 is released December 3, 2019, as a long-term support release. </a:t>
+            </a:r>
+          </a:p>
+          <a:p>
+            <a:pPr>
+              <a:spcBef>
+                <a:spcPts val="0"/>
+              </a:spcBef>
+              <a:spcAft>
+                <a:spcPts val="0"/>
+              </a:spcAft>
+            </a:pPr>
+            <a:endParaRPr lang="en-US" sz="6600" dirty="0">
+              <a:solidFill>
+                <a:srgbClr val="0E101A"/>
+              </a:solidFill>
+              <a:effectLst/>
+            </a:endParaRPr>
+          </a:p>
+          <a:p>
+            <a:pPr>
+              <a:spcBef>
+                <a:spcPts val="0"/>
+              </a:spcBef>
+              <a:spcAft>
+                <a:spcPts val="0"/>
+              </a:spcAft>
+            </a:pPr>
+            <a:r>
+              <a:rPr lang="en-US" sz="6600" dirty="0">
+                <a:solidFill>
+                  <a:srgbClr val="0E101A"/>
+                </a:solidFill>
+                <a:effectLst/>
+              </a:rPr>
+              <a:t>- Azure is an open cloud that offers multiple choices. We suggest App Service if you have a single or a few back-end services in an N-Tier architecture. Azure Kubernetes Services is a better fit for Cloud-Native (Microservices) design.</a:t>
+            </a:r>
+          </a:p>
+          <a:p>
+            <a:pPr>
+              <a:spcBef>
+                <a:spcPts val="0"/>
+              </a:spcBef>
+              <a:spcAft>
+                <a:spcPts val="0"/>
+              </a:spcAft>
+            </a:pPr>
+            <a:endParaRPr lang="en-US" sz="6600" dirty="0">
+              <a:solidFill>
+                <a:srgbClr val="0E101A"/>
+              </a:solidFill>
+              <a:effectLst/>
+            </a:endParaRPr>
+          </a:p>
+          <a:p>
+            <a:pPr>
+              <a:spcBef>
+                <a:spcPts val="0"/>
+              </a:spcBef>
+              <a:spcAft>
+                <a:spcPts val="0"/>
+              </a:spcAft>
+            </a:pPr>
+            <a:r>
+              <a:rPr lang="en-US" sz="6600" dirty="0">
+                <a:solidFill>
+                  <a:srgbClr val="0E101A"/>
+                </a:solidFill>
+                <a:effectLst/>
+              </a:rPr>
+              <a:t>- Azure has 60+ regions, more than any other cloud provider. Our physical infrastructure comprises 160+ physical datacenters arranged into regions and linked by one of the world's largest interconnected networks. We have services such as Azure Traffic Manager for DNS-based traffic load balancing, Azure Front Door, a global, scalable entry-point that uses the Microsoft global edge network to create fast, secure, and widely scalable web applications, and Azure CosmosDB, a globally-distributed planet-scale database service. All these services are ready for implementation and used by millions of customers every day. We would be more than happy to help Parts Unlimited scale its operations globally.</a:t>
+            </a:r>
           </a:p>
         </p:txBody>
       </p:sp>
@@ -2104,7 +2644,7 @@
     </p:spTree>
     <p:extLst>
       <p:ext uri="{BB962C8B-B14F-4D97-AF65-F5344CB8AC3E}">
-        <p14:creationId xmlns:p14="http://schemas.microsoft.com/office/powerpoint/2010/main" val="671285550"/>
+        <p14:creationId xmlns:p14="http://schemas.microsoft.com/office/powerpoint/2010/main" val="4186038490"/>
       </p:ext>
     </p:extLst>
   </p:cSld>
@@ -2285,6 +2825,90 @@
             <p:ph type="sldImg"/>
           </p:nvPr>
         </p:nvSpPr>
+        <p:spPr/>
+      </p:sp>
+      <p:sp>
+        <p:nvSpPr>
+          <p:cNvPr id="3" name="Notes Placeholder 2"/>
+          <p:cNvSpPr>
+            <a:spLocks noGrp="1"/>
+          </p:cNvSpPr>
+          <p:nvPr>
+            <p:ph type="body" idx="1"/>
+          </p:nvPr>
+        </p:nvSpPr>
+        <p:spPr/>
+        <p:txBody>
+          <a:bodyPr/>
+          <a:lstStyle/>
+          <a:p>
+            <a:endParaRPr lang="en-US" dirty="0"/>
+          </a:p>
+        </p:txBody>
+      </p:sp>
+      <p:sp>
+        <p:nvSpPr>
+          <p:cNvPr id="4" name="Slide Number Placeholder 3"/>
+          <p:cNvSpPr>
+            <a:spLocks noGrp="1"/>
+          </p:cNvSpPr>
+          <p:nvPr>
+            <p:ph type="sldNum" sz="quarter" idx="10"/>
+          </p:nvPr>
+        </p:nvSpPr>
+        <p:spPr/>
+        <p:txBody>
+          <a:bodyPr/>
+          <a:lstStyle/>
+          <a:p>
+            <a:fld id="{0998D5BB-B127-481F-BC0A-2F77C576BB34}" type="slidenum">
+              <a:rPr lang="en-US" smtClean="0"/>
+              <a:t>20</a:t>
+            </a:fld>
+            <a:endParaRPr lang="en-US" dirty="0"/>
+          </a:p>
+        </p:txBody>
+      </p:sp>
+    </p:spTree>
+    <p:extLst>
+      <p:ext uri="{BB962C8B-B14F-4D97-AF65-F5344CB8AC3E}">
+        <p14:creationId xmlns:p14="http://schemas.microsoft.com/office/powerpoint/2010/main" val="671285550"/>
+      </p:ext>
+    </p:extLst>
+  </p:cSld>
+  <p:clrMapOvr>
+    <a:masterClrMapping/>
+  </p:clrMapOvr>
+</p:notes>
+</file>
+
+<file path=ppt/notesSlides/notesSlide21.xml><?xml version="1.0" encoding="utf-8"?>
+<p:notes xmlns:a="http://schemas.openxmlformats.org/drawingml/2006/main" xmlns:r="http://schemas.openxmlformats.org/officeDocument/2006/relationships" xmlns:p="http://schemas.openxmlformats.org/presentationml/2006/main">
+  <p:cSld>
+    <p:spTree>
+      <p:nvGrpSpPr>
+        <p:cNvPr id="1" name=""/>
+        <p:cNvGrpSpPr/>
+        <p:nvPr/>
+      </p:nvGrpSpPr>
+      <p:grpSpPr>
+        <a:xfrm>
+          <a:off x="0" y="0"/>
+          <a:ext cx="0" cy="0"/>
+          <a:chOff x="0" y="0"/>
+          <a:chExt cx="0" cy="0"/>
+        </a:xfrm>
+      </p:grpSpPr>
+      <p:sp>
+        <p:nvSpPr>
+          <p:cNvPr id="2" name="Slide Image Placeholder 1"/>
+          <p:cNvSpPr>
+            <a:spLocks noGrp="1" noRot="1" noChangeAspect="1"/>
+          </p:cNvSpPr>
+          <p:nvPr>
+            <p:ph type="sldImg"/>
+          </p:nvPr>
+        </p:nvSpPr>
         <p:spPr>
           <a:xfrm>
             <a:off x="381000" y="685800"/>
@@ -2365,7 +2989,7 @@
                   <a:prstClr val="black"/>
                 </a:solidFill>
               </a:rPr>
-              <a:t>11/3/2021 4:57 PM</a:t>
+              <a:t>3/28/2022 2:30 PM</a:t>
             </a:fld>
             <a:endParaRPr lang="en-US" dirty="0">
               <a:solidFill>
@@ -2397,7 +3021,7 @@
                 </a:solidFill>
               </a:rPr>
               <a:pPr/>
-              <a:t>20</a:t>
+              <a:t>21</a:t>
             </a:fld>
             <a:endParaRPr lang="en-US" dirty="0">
               <a:solidFill>
@@ -2789,6 +3413,102 @@
         <p:txBody>
           <a:bodyPr/>
           <a:lstStyle/>
+          <a:p>
+            <a:pPr algn="l">
+              <a:buFont typeface="+mj-lt"/>
+              <a:buAutoNum type="arabicPeriod"/>
+            </a:pPr>
+            <a:r>
+              <a:rPr lang="en-US" sz="4000" b="0" i="0" dirty="0">
+                <a:solidFill>
+                  <a:srgbClr val="24292F"/>
+                </a:solidFill>
+                <a:effectLst/>
+                <a:latin typeface="-apple-system"/>
+              </a:rPr>
+              <a:t>Parts Unlimited wants to assess its current environment to see if it can move its e-commerce site to the cloud as it is.</a:t>
+            </a:r>
+          </a:p>
+          <a:p>
+            <a:pPr algn="l">
+              <a:buFont typeface="+mj-lt"/>
+              <a:buAutoNum type="arabicPeriod"/>
+            </a:pPr>
+            <a:r>
+              <a:rPr lang="en-US" sz="4000" b="0" i="0" dirty="0">
+                <a:solidFill>
+                  <a:srgbClr val="24292F"/>
+                </a:solidFill>
+                <a:effectLst/>
+                <a:latin typeface="-apple-system"/>
+              </a:rPr>
+              <a:t>Parts Unlimited wants to move to the cloud and be able to scale its e-commerce solution.</a:t>
+            </a:r>
+          </a:p>
+          <a:p>
+            <a:pPr algn="l">
+              <a:buFont typeface="+mj-lt"/>
+              <a:buAutoNum type="arabicPeriod"/>
+            </a:pPr>
+            <a:r>
+              <a:rPr lang="en-US" sz="4000" b="0" i="0" dirty="0">
+                <a:solidFill>
+                  <a:srgbClr val="24292F"/>
+                </a:solidFill>
+                <a:effectLst/>
+                <a:latin typeface="-apple-system"/>
+              </a:rPr>
+              <a:t>They want to migrate their SQL Server 2008 R2 database to a fully-managed SQL database in Azure. They are not sure how to manage SQL resources during unexpected peak times.</a:t>
+            </a:r>
+          </a:p>
+          <a:p>
+            <a:pPr algn="l">
+              <a:buFont typeface="+mj-lt"/>
+              <a:buAutoNum type="arabicPeriod"/>
+            </a:pPr>
+            <a:r>
+              <a:rPr lang="en-US" sz="4000" b="0" i="0" dirty="0">
+                <a:solidFill>
+                  <a:srgbClr val="24292F"/>
+                </a:solidFill>
+                <a:effectLst/>
+                <a:latin typeface="-apple-system"/>
+              </a:rPr>
+              <a:t>Parts Unlimited wants to find a solution for their testing in production problem. They want to be able to test functionality before pushing it to their servers.</a:t>
+            </a:r>
+          </a:p>
+          <a:p>
+            <a:pPr algn="l">
+              <a:buFont typeface="+mj-lt"/>
+              <a:buAutoNum type="arabicPeriod"/>
+            </a:pPr>
+            <a:r>
+              <a:rPr lang="en-US" sz="4000" b="0" i="0" dirty="0">
+                <a:solidFill>
+                  <a:srgbClr val="24292F"/>
+                </a:solidFill>
+                <a:effectLst/>
+                <a:latin typeface="-apple-system"/>
+              </a:rPr>
+              <a:t>They want to minimize human errors in deployments. They heard about DevOps practices and that publishing from developer machines is not ideal.</a:t>
+            </a:r>
+          </a:p>
+          <a:p>
+            <a:pPr algn="l">
+              <a:buFont typeface="+mj-lt"/>
+              <a:buAutoNum type="arabicPeriod"/>
+            </a:pPr>
+            <a:r>
+              <a:rPr lang="en-US" sz="4000" b="0" i="0" dirty="0">
+                <a:solidFill>
+                  <a:srgbClr val="24292F"/>
+                </a:solidFill>
+                <a:effectLst/>
+                <a:latin typeface="-apple-system"/>
+              </a:rPr>
+              <a:t>Parts Unlimited is looking to separate its order processing subsystem and scale it independently to accommodate a large number of orders.</a:t>
+            </a:r>
+          </a:p>
           <a:p>
             <a:pPr marL="0" lvl="0" indent="0">
               <a:buFont typeface="Arial" panose="020B0604020202020204" pitchFamily="34" charset="0"/>
@@ -15181,6 +15901,36 @@
           <a:bodyPr/>
           <a:lstStyle/>
           <a:p>
+            <a:r>
+              <a:rPr lang="en-US" dirty="0" err="1"/>
+              <a:t>Kulcsár</a:t>
+            </a:r>
+            <a:r>
+              <a:rPr lang="en-US" dirty="0"/>
+              <a:t> Gábor</a:t>
+            </a:r>
+          </a:p>
+          <a:p>
+            <a:r>
+              <a:rPr lang="en-US" sz="2000" dirty="0"/>
+              <a:t>Solution architect</a:t>
+            </a:r>
+          </a:p>
+          <a:p>
+            <a:r>
+              <a:rPr lang="en-US" sz="2000" dirty="0"/>
+              <a:t>S&amp;T Consulting Hungary </a:t>
+            </a:r>
+            <a:r>
+              <a:rPr lang="en-US" sz="2000" dirty="0" err="1"/>
+              <a:t>Kft</a:t>
+            </a:r>
+            <a:r>
+              <a:rPr lang="en-US" sz="2000" dirty="0"/>
+              <a:t>.</a:t>
+            </a:r>
+          </a:p>
+          <a:p>
             <a:endParaRPr lang="en-US" dirty="0"/>
           </a:p>
         </p:txBody>
@@ -15211,7 +15961,7 @@
 </file>
 
 <file path=ppt/slides/slide10.xml><?xml version="1.0" encoding="utf-8"?>
-<p:sld xmlns:a="http://schemas.openxmlformats.org/drawingml/2006/main" xmlns:r="http://schemas.openxmlformats.org/officeDocument/2006/relationships" xmlns:p="http://schemas.openxmlformats.org/presentationml/2006/main">
+<p:sld xmlns:a="http://schemas.openxmlformats.org/drawingml/2006/main" xmlns:r="http://schemas.openxmlformats.org/officeDocument/2006/relationships" xmlns:p="http://schemas.openxmlformats.org/presentationml/2006/main" show="0">
   <p:cSld>
     <p:spTree>
       <p:nvGrpSpPr>
@@ -15418,11 +16168,11 @@
   <p:clrMapOvr>
     <a:masterClrMapping/>
   </p:clrMapOvr>
-  <mc:AlternateContent xmlns:mc="http://schemas.openxmlformats.org/markup-compatibility/2006" xmlns:p14="http://schemas.microsoft.com/office/powerpoint/2010/main">
-    <mc:Choice Requires="p14">
+  <mc:AlternateContent xmlns:mc="http://schemas.openxmlformats.org/markup-compatibility/2006">
+    <mc:Choice xmlns:p14="http://schemas.microsoft.com/office/powerpoint/2010/main" Requires="p14">
       <p:transition p14:dur="0"/>
     </mc:Choice>
-    <mc:Fallback xmlns="">
+    <mc:Fallback>
       <p:transition/>
     </mc:Fallback>
   </mc:AlternateContent>
@@ -15430,7 +16180,7 @@
 </file>
 
 <file path=ppt/slides/slide11.xml><?xml version="1.0" encoding="utf-8"?>
-<p:sld xmlns:a="http://schemas.openxmlformats.org/drawingml/2006/main" xmlns:r="http://schemas.openxmlformats.org/officeDocument/2006/relationships" xmlns:p="http://schemas.openxmlformats.org/presentationml/2006/main">
+<p:sld xmlns:a="http://schemas.openxmlformats.org/drawingml/2006/main" xmlns:r="http://schemas.openxmlformats.org/officeDocument/2006/relationships" xmlns:p="http://schemas.openxmlformats.org/presentationml/2006/main" show="0">
   <p:cSld>
     <p:bg>
       <p:bgPr>
@@ -15633,11 +16383,11 @@
   <p:clrMapOvr>
     <a:masterClrMapping/>
   </p:clrMapOvr>
-  <mc:AlternateContent xmlns:mc="http://schemas.openxmlformats.org/markup-compatibility/2006" xmlns:p14="http://schemas.microsoft.com/office/powerpoint/2010/main">
-    <mc:Choice Requires="p14">
+  <mc:AlternateContent xmlns:mc="http://schemas.openxmlformats.org/markup-compatibility/2006">
+    <mc:Choice xmlns:p14="http://schemas.microsoft.com/office/powerpoint/2010/main" Requires="p14">
       <p:transition p14:dur="0"/>
     </mc:Choice>
-    <mc:Fallback xmlns="">
+    <mc:Fallback>
       <p:transition/>
     </mc:Fallback>
   </mc:AlternateContent>
@@ -15685,7 +16435,7 @@
                 </a:solidFill>
                 <a:cs typeface="Segoe UI" panose="020B0502040204020203" pitchFamily="34" charset="0"/>
               </a:rPr>
-              <a:t>Preferred solution</a:t>
+              <a:t>Step 2: Design the solution</a:t>
             </a:r>
             <a:br>
               <a:rPr lang="en-US" dirty="0">
@@ -15774,6 +16524,283 @@
       </p:grpSpPr>
       <p:sp>
         <p:nvSpPr>
+          <p:cNvPr id="3" name="Title 2">
+            <a:extLst>
+              <a:ext uri="{FF2B5EF4-FFF2-40B4-BE49-F238E27FC236}">
+                <a16:creationId xmlns:a16="http://schemas.microsoft.com/office/drawing/2014/main" id="{078EDF0F-09B3-41CD-A8EB-0D3A829C9C1C}"/>
+              </a:ext>
+            </a:extLst>
+          </p:cNvPr>
+          <p:cNvSpPr>
+            <a:spLocks noGrp="1"/>
+          </p:cNvSpPr>
+          <p:nvPr>
+            <p:ph type="title"/>
+          </p:nvPr>
+        </p:nvSpPr>
+        <p:spPr/>
+        <p:txBody>
+          <a:bodyPr/>
+          <a:lstStyle/>
+          <a:p>
+            <a:r>
+              <a:rPr lang="en-US" dirty="0"/>
+              <a:t>Migration process</a:t>
+            </a:r>
+          </a:p>
+        </p:txBody>
+      </p:sp>
+      <p:sp>
+        <p:nvSpPr>
+          <p:cNvPr id="2" name="Text Placeholder 1">
+            <a:extLst>
+              <a:ext uri="{FF2B5EF4-FFF2-40B4-BE49-F238E27FC236}">
+                <a16:creationId xmlns:a16="http://schemas.microsoft.com/office/drawing/2014/main" id="{C4C57931-373C-4B88-9D7C-DBA82C917594}"/>
+              </a:ext>
+            </a:extLst>
+          </p:cNvPr>
+          <p:cNvSpPr>
+            <a:spLocks noGrp="1"/>
+          </p:cNvSpPr>
+          <p:nvPr>
+            <p:ph type="body" sz="quarter" idx="10"/>
+          </p:nvPr>
+        </p:nvSpPr>
+        <p:spPr>
+          <a:xfrm>
+            <a:off x="269239" y="1189177"/>
+            <a:ext cx="11653523" cy="727700"/>
+          </a:xfrm>
+        </p:spPr>
+        <p:txBody>
+          <a:bodyPr/>
+          <a:lstStyle/>
+          <a:p>
+            <a:endParaRPr lang="en-US" dirty="0"/>
+          </a:p>
+        </p:txBody>
+      </p:sp>
+      <p:pic>
+        <p:nvPicPr>
+          <p:cNvPr id="1026" name="Picture 2" descr="Diagram providing an overview of the data platform migration process.">
+            <a:extLst>
+              <a:ext uri="{FF2B5EF4-FFF2-40B4-BE49-F238E27FC236}">
+                <a16:creationId xmlns:a16="http://schemas.microsoft.com/office/drawing/2014/main" id="{7E1CD53A-13F1-414B-A2E3-57BD7C373373}"/>
+              </a:ext>
+            </a:extLst>
+          </p:cNvPr>
+          <p:cNvPicPr>
+            <a:picLocks noChangeAspect="1" noChangeArrowheads="1"/>
+          </p:cNvPicPr>
+          <p:nvPr/>
+        </p:nvPicPr>
+        <p:blipFill>
+          <a:blip r:embed="rId3">
+            <a:extLst>
+              <a:ext uri="{28A0092B-C50C-407E-A947-70E740481C1C}">
+                <a14:useLocalDpi xmlns:a14="http://schemas.microsoft.com/office/drawing/2010/main" val="0"/>
+              </a:ext>
+            </a:extLst>
+          </a:blip>
+          <a:srcRect/>
+          <a:stretch>
+            <a:fillRect/>
+          </a:stretch>
+        </p:blipFill>
+        <p:spPr bwMode="auto">
+          <a:xfrm>
+            <a:off x="0" y="1493838"/>
+            <a:ext cx="12192000" cy="3870325"/>
+          </a:xfrm>
+          <a:prstGeom prst="rect">
+            <a:avLst/>
+          </a:prstGeom>
+          <a:noFill/>
+          <a:extLst>
+            <a:ext uri="{909E8E84-426E-40DD-AFC4-6F175D3DCCD1}">
+              <a14:hiddenFill xmlns:a14="http://schemas.microsoft.com/office/drawing/2010/main">
+                <a:solidFill>
+                  <a:srgbClr val="FFFFFF"/>
+                </a:solidFill>
+              </a14:hiddenFill>
+            </a:ext>
+          </a:extLst>
+        </p:spPr>
+      </p:pic>
+    </p:spTree>
+    <p:extLst>
+      <p:ext uri="{BB962C8B-B14F-4D97-AF65-F5344CB8AC3E}">
+        <p14:creationId xmlns:p14="http://schemas.microsoft.com/office/powerpoint/2010/main" val="320478152"/>
+      </p:ext>
+    </p:extLst>
+  </p:cSld>
+  <p:clrMapOvr>
+    <a:masterClrMapping/>
+  </p:clrMapOvr>
+  <p:transition>
+    <p:fade/>
+  </p:transition>
+</p:sld>
+</file>
+
+<file path=ppt/slides/slide14.xml><?xml version="1.0" encoding="utf-8"?>
+<p:sld xmlns:a="http://schemas.openxmlformats.org/drawingml/2006/main" xmlns:r="http://schemas.openxmlformats.org/officeDocument/2006/relationships" xmlns:p="http://schemas.openxmlformats.org/presentationml/2006/main">
+  <p:cSld>
+    <p:spTree>
+      <p:nvGrpSpPr>
+        <p:cNvPr id="1" name=""/>
+        <p:cNvGrpSpPr/>
+        <p:nvPr/>
+      </p:nvGrpSpPr>
+      <p:grpSpPr>
+        <a:xfrm>
+          <a:off x="0" y="0"/>
+          <a:ext cx="0" cy="0"/>
+          <a:chOff x="0" y="0"/>
+          <a:chExt cx="0" cy="0"/>
+        </a:xfrm>
+      </p:grpSpPr>
+      <p:sp>
+        <p:nvSpPr>
+          <p:cNvPr id="3" name="Title 2">
+            <a:extLst>
+              <a:ext uri="{FF2B5EF4-FFF2-40B4-BE49-F238E27FC236}">
+                <a16:creationId xmlns:a16="http://schemas.microsoft.com/office/drawing/2014/main" id="{078EDF0F-09B3-41CD-A8EB-0D3A829C9C1C}"/>
+              </a:ext>
+            </a:extLst>
+          </p:cNvPr>
+          <p:cNvSpPr>
+            <a:spLocks noGrp="1"/>
+          </p:cNvSpPr>
+          <p:nvPr>
+            <p:ph type="title"/>
+          </p:nvPr>
+        </p:nvSpPr>
+        <p:spPr/>
+        <p:txBody>
+          <a:bodyPr/>
+          <a:lstStyle/>
+          <a:p>
+            <a:r>
+              <a:rPr lang="en-US" dirty="0"/>
+              <a:t>Assessment and Migration</a:t>
+            </a:r>
+          </a:p>
+        </p:txBody>
+      </p:sp>
+      <p:sp>
+        <p:nvSpPr>
+          <p:cNvPr id="2" name="Text Placeholder 1">
+            <a:extLst>
+              <a:ext uri="{FF2B5EF4-FFF2-40B4-BE49-F238E27FC236}">
+                <a16:creationId xmlns:a16="http://schemas.microsoft.com/office/drawing/2014/main" id="{C4C57931-373C-4B88-9D7C-DBA82C917594}"/>
+              </a:ext>
+            </a:extLst>
+          </p:cNvPr>
+          <p:cNvSpPr>
+            <a:spLocks noGrp="1"/>
+          </p:cNvSpPr>
+          <p:nvPr>
+            <p:ph type="body" sz="quarter" idx="10"/>
+          </p:nvPr>
+        </p:nvSpPr>
+        <p:spPr>
+          <a:xfrm>
+            <a:off x="269239" y="1189177"/>
+            <a:ext cx="11653523" cy="4794582"/>
+          </a:xfrm>
+        </p:spPr>
+        <p:txBody>
+          <a:bodyPr/>
+          <a:lstStyle/>
+          <a:p>
+            <a:r>
+              <a:rPr lang="en-US" dirty="0"/>
+              <a:t>Azure Migrate provides a centralized hub to assess and migrate on-premises servers, infrastructure, applications, and data to Azure.</a:t>
+            </a:r>
+          </a:p>
+          <a:p>
+            <a:pPr lvl="1"/>
+            <a:r>
+              <a:rPr lang="en-US" dirty="0"/>
+              <a:t>The App Service Migration Assistant</a:t>
+            </a:r>
+          </a:p>
+          <a:p>
+            <a:pPr lvl="1"/>
+            <a:r>
+              <a:rPr lang="en-US" dirty="0"/>
+              <a:t>Azure Database Migration Service's (DMS)</a:t>
+            </a:r>
+          </a:p>
+          <a:p>
+            <a:pPr lvl="1"/>
+            <a:r>
+              <a:rPr lang="en-US" dirty="0"/>
+              <a:t>Database Migration Assistant (DMA)</a:t>
+            </a:r>
+          </a:p>
+          <a:p>
+            <a:pPr lvl="1"/>
+            <a:r>
+              <a:rPr lang="en-US" dirty="0"/>
+              <a:t>Database Experimentation Assistant (DEA)</a:t>
+            </a:r>
+          </a:p>
+          <a:p>
+            <a:r>
+              <a:rPr lang="en-US" dirty="0"/>
+              <a:t>Migration to a higher version of .NET</a:t>
+            </a:r>
+          </a:p>
+          <a:p>
+            <a:pPr lvl="1"/>
+            <a:r>
+              <a:rPr lang="en-US" dirty="0"/>
+              <a:t>The .NET Portability Analyzer</a:t>
+            </a:r>
+            <a:br>
+              <a:rPr lang="en-US" dirty="0"/>
+            </a:br>
+            <a:endParaRPr lang="en-US" dirty="0"/>
+          </a:p>
+        </p:txBody>
+      </p:sp>
+    </p:spTree>
+    <p:extLst>
+      <p:ext uri="{BB962C8B-B14F-4D97-AF65-F5344CB8AC3E}">
+        <p14:creationId xmlns:p14="http://schemas.microsoft.com/office/powerpoint/2010/main" val="1479511248"/>
+      </p:ext>
+    </p:extLst>
+  </p:cSld>
+  <p:clrMapOvr>
+    <a:masterClrMapping/>
+  </p:clrMapOvr>
+  <p:transition>
+    <p:fade/>
+  </p:transition>
+</p:sld>
+</file>
+
+<file path=ppt/slides/slide15.xml><?xml version="1.0" encoding="utf-8"?>
+<p:sld xmlns:a="http://schemas.openxmlformats.org/drawingml/2006/main" xmlns:r="http://schemas.openxmlformats.org/officeDocument/2006/relationships" xmlns:p="http://schemas.openxmlformats.org/presentationml/2006/main">
+  <p:cSld>
+    <p:spTree>
+      <p:nvGrpSpPr>
+        <p:cNvPr id="1" name=""/>
+        <p:cNvGrpSpPr/>
+        <p:nvPr/>
+      </p:nvGrpSpPr>
+      <p:grpSpPr>
+        <a:xfrm>
+          <a:off x="0" y="0"/>
+          <a:ext cx="0" cy="0"/>
+          <a:chOff x="0" y="0"/>
+          <a:chExt cx="0" cy="0"/>
+        </a:xfrm>
+      </p:grpSpPr>
+      <p:sp>
+        <p:nvSpPr>
           <p:cNvPr id="2" name="Title 1"/>
           <p:cNvSpPr>
             <a:spLocks noGrp="1"/>
@@ -15921,146 +16948,7 @@
 </p:sld>
 </file>
 
-<file path=ppt/slides/slide14.xml><?xml version="1.0" encoding="utf-8"?>
-<p:sld xmlns:a="http://schemas.openxmlformats.org/drawingml/2006/main" xmlns:r="http://schemas.openxmlformats.org/officeDocument/2006/relationships" xmlns:p="http://schemas.openxmlformats.org/presentationml/2006/main">
-  <p:cSld>
-    <p:spTree>
-      <p:nvGrpSpPr>
-        <p:cNvPr id="1" name=""/>
-        <p:cNvGrpSpPr/>
-        <p:nvPr/>
-      </p:nvGrpSpPr>
-      <p:grpSpPr>
-        <a:xfrm>
-          <a:off x="0" y="0"/>
-          <a:ext cx="0" cy="0"/>
-          <a:chOff x="0" y="0"/>
-          <a:chExt cx="0" cy="0"/>
-        </a:xfrm>
-      </p:grpSpPr>
-      <p:sp>
-        <p:nvSpPr>
-          <p:cNvPr id="3" name="Title 2">
-            <a:extLst>
-              <a:ext uri="{FF2B5EF4-FFF2-40B4-BE49-F238E27FC236}">
-                <a16:creationId xmlns:a16="http://schemas.microsoft.com/office/drawing/2014/main" id="{078EDF0F-09B3-41CD-A8EB-0D3A829C9C1C}"/>
-              </a:ext>
-            </a:extLst>
-          </p:cNvPr>
-          <p:cNvSpPr>
-            <a:spLocks noGrp="1"/>
-          </p:cNvSpPr>
-          <p:nvPr>
-            <p:ph type="title"/>
-          </p:nvPr>
-        </p:nvSpPr>
-        <p:spPr/>
-        <p:txBody>
-          <a:bodyPr/>
-          <a:lstStyle/>
-          <a:p>
-            <a:r>
-              <a:rPr lang="en-US" dirty="0"/>
-              <a:t>Assessment and Migration</a:t>
-            </a:r>
-          </a:p>
-        </p:txBody>
-      </p:sp>
-      <p:sp>
-        <p:nvSpPr>
-          <p:cNvPr id="2" name="Text Placeholder 1">
-            <a:extLst>
-              <a:ext uri="{FF2B5EF4-FFF2-40B4-BE49-F238E27FC236}">
-                <a16:creationId xmlns:a16="http://schemas.microsoft.com/office/drawing/2014/main" id="{C4C57931-373C-4B88-9D7C-DBA82C917594}"/>
-              </a:ext>
-            </a:extLst>
-          </p:cNvPr>
-          <p:cNvSpPr>
-            <a:spLocks noGrp="1"/>
-          </p:cNvSpPr>
-          <p:nvPr>
-            <p:ph type="body" sz="quarter" idx="10"/>
-          </p:nvPr>
-        </p:nvSpPr>
-        <p:spPr>
-          <a:xfrm>
-            <a:off x="269239" y="1189177"/>
-            <a:ext cx="11653523" cy="4794582"/>
-          </a:xfrm>
-        </p:spPr>
-        <p:txBody>
-          <a:bodyPr/>
-          <a:lstStyle/>
-          <a:p>
-            <a:r>
-              <a:rPr lang="en-US" dirty="0"/>
-              <a:t>Azure Migrate provides a centralized hub to assess and migrate on-premises servers, infrastructure, applications, and data to Azure.</a:t>
-            </a:r>
-          </a:p>
-          <a:p>
-            <a:pPr lvl="1"/>
-            <a:r>
-              <a:rPr lang="en-US" dirty="0"/>
-              <a:t>The App Service Migration Assistant</a:t>
-            </a:r>
-          </a:p>
-          <a:p>
-            <a:pPr lvl="1"/>
-            <a:r>
-              <a:rPr lang="en-US" dirty="0"/>
-              <a:t>Azure Database Migration Service's (DMS)</a:t>
-            </a:r>
-          </a:p>
-          <a:p>
-            <a:pPr lvl="1"/>
-            <a:r>
-              <a:rPr lang="en-US" dirty="0"/>
-              <a:t>Database Migration Assistant (DMA)</a:t>
-            </a:r>
-          </a:p>
-          <a:p>
-            <a:pPr lvl="1"/>
-            <a:r>
-              <a:rPr lang="en-US" dirty="0"/>
-              <a:t>Database Experimentation Assistant (DEA)</a:t>
-            </a:r>
-          </a:p>
-          <a:p>
-            <a:r>
-              <a:rPr lang="en-US" dirty="0"/>
-              <a:t>Migration to a higher version of .NET</a:t>
-            </a:r>
-          </a:p>
-          <a:p>
-            <a:pPr lvl="1"/>
-            <a:r>
-              <a:rPr lang="en-US" dirty="0"/>
-              <a:t>The .NET Portability Analyzer</a:t>
-            </a:r>
-            <a:br>
-              <a:rPr lang="en-US" dirty="0"/>
-            </a:br>
-            <a:endParaRPr lang="en-US" dirty="0"/>
-          </a:p>
-        </p:txBody>
-      </p:sp>
-    </p:spTree>
-    <p:extLst>
-      <p:ext uri="{BB962C8B-B14F-4D97-AF65-F5344CB8AC3E}">
-        <p14:creationId xmlns:p14="http://schemas.microsoft.com/office/powerpoint/2010/main" val="1479511248"/>
-      </p:ext>
-    </p:extLst>
-  </p:cSld>
-  <p:clrMapOvr>
-    <a:masterClrMapping/>
-  </p:clrMapOvr>
-  <p:transition>
-    <p:fade/>
-  </p:transition>
-</p:sld>
-</file>
-
-<file path=ppt/slides/slide15.xml><?xml version="1.0" encoding="utf-8"?>
+<file path=ppt/slides/slide16.xml><?xml version="1.0" encoding="utf-8"?>
 <p:sld xmlns:a="http://schemas.openxmlformats.org/drawingml/2006/main" xmlns:r="http://schemas.openxmlformats.org/officeDocument/2006/relationships" xmlns:p="http://schemas.openxmlformats.org/presentationml/2006/main">
   <p:cSld>
     <p:spTree>
@@ -16151,7 +17039,7 @@
 </p:sld>
 </file>
 
-<file path=ppt/slides/slide16.xml><?xml version="1.0" encoding="utf-8"?>
+<file path=ppt/slides/slide17.xml><?xml version="1.0" encoding="utf-8"?>
 <p:sld xmlns:a="http://schemas.openxmlformats.org/drawingml/2006/main" xmlns:r="http://schemas.openxmlformats.org/officeDocument/2006/relationships" xmlns:p="http://schemas.openxmlformats.org/presentationml/2006/main">
   <p:cSld>
     <p:spTree>
@@ -16257,7 +17145,7 @@
 </p:sld>
 </file>
 
-<file path=ppt/slides/slide17.xml><?xml version="1.0" encoding="utf-8"?>
+<file path=ppt/slides/slide18.xml><?xml version="1.0" encoding="utf-8"?>
 <p:sld xmlns:a="http://schemas.openxmlformats.org/drawingml/2006/main" xmlns:r="http://schemas.openxmlformats.org/officeDocument/2006/relationships" xmlns:p="http://schemas.openxmlformats.org/presentationml/2006/main">
   <p:cSld>
     <p:spTree>
@@ -16366,175 +17254,6 @@
 </p:sld>
 </file>
 
-<file path=ppt/slides/slide18.xml><?xml version="1.0" encoding="utf-8"?>
-<p:sld xmlns:a="http://schemas.openxmlformats.org/drawingml/2006/main" xmlns:r="http://schemas.openxmlformats.org/officeDocument/2006/relationships" xmlns:p="http://schemas.openxmlformats.org/presentationml/2006/main">
-  <p:cSld>
-    <p:spTree>
-      <p:nvGrpSpPr>
-        <p:cNvPr id="1" name=""/>
-        <p:cNvGrpSpPr/>
-        <p:nvPr/>
-      </p:nvGrpSpPr>
-      <p:grpSpPr>
-        <a:xfrm>
-          <a:off x="0" y="0"/>
-          <a:ext cx="0" cy="0"/>
-          <a:chOff x="0" y="0"/>
-          <a:chExt cx="0" cy="0"/>
-        </a:xfrm>
-      </p:grpSpPr>
-      <p:sp>
-        <p:nvSpPr>
-          <p:cNvPr id="2" name="Title 1"/>
-          <p:cNvSpPr>
-            <a:spLocks noGrp="1"/>
-          </p:cNvSpPr>
-          <p:nvPr>
-            <p:ph type="title"/>
-          </p:nvPr>
-        </p:nvSpPr>
-        <p:spPr/>
-        <p:txBody>
-          <a:bodyPr>
-            <a:normAutofit fontScale="90000"/>
-          </a:bodyPr>
-          <a:lstStyle/>
-          <a:p>
-            <a:r>
-              <a:rPr lang="en-US" sz="4900" dirty="0">
-                <a:solidFill>
-                  <a:schemeClr val="tx1"/>
-                </a:solidFill>
-                <a:cs typeface="Segoe UI" panose="020B0502040204020203" pitchFamily="34" charset="0"/>
-              </a:rPr>
-              <a:t>Preferred objection handling</a:t>
-            </a:r>
-            <a:br>
-              <a:rPr lang="en-US" dirty="0">
-                <a:solidFill>
-                  <a:schemeClr val="tx1"/>
-                </a:solidFill>
-                <a:latin typeface="Segoe UI" panose="020B0502040204020203" pitchFamily="34" charset="0"/>
-              </a:rPr>
-            </a:br>
-            <a:endParaRPr lang="en-US" sz="3236" dirty="0">
-              <a:solidFill>
-                <a:schemeClr val="tx1"/>
-              </a:solidFill>
-              <a:latin typeface="Segoe UI" panose="020B0502040204020203" pitchFamily="34" charset="0"/>
-            </a:endParaRPr>
-          </a:p>
-        </p:txBody>
-      </p:sp>
-      <p:sp>
-        <p:nvSpPr>
-          <p:cNvPr id="4" name="TextBox 3"/>
-          <p:cNvSpPr txBox="1"/>
-          <p:nvPr/>
-        </p:nvSpPr>
-        <p:spPr>
-          <a:xfrm>
-            <a:off x="-256858" y="1085192"/>
-            <a:ext cx="11805658" cy="5212645"/>
-          </a:xfrm>
-          <a:prstGeom prst="rect">
-            <a:avLst/>
-          </a:prstGeom>
-          <a:noFill/>
-        </p:spPr>
-        <p:txBody>
-          <a:bodyPr wrap="square" lIns="182880" tIns="146304" rIns="182880" bIns="146304" rtlCol="0">
-            <a:spAutoFit/>
-          </a:bodyPr>
-          <a:lstStyle/>
-          <a:p>
-            <a:pPr marL="1028700" lvl="1" indent="-571500">
-              <a:lnSpc>
-                <a:spcPct val="150000"/>
-              </a:lnSpc>
-              <a:buFont typeface="Arial" panose="020B0604020202020204" pitchFamily="34" charset="0"/>
-              <a:buChar char="•"/>
-            </a:pPr>
-            <a:r>
-              <a:rPr lang="en-US" sz="2400" dirty="0">
-                <a:latin typeface="Segoe UI Semilight" panose="020B0402040204020203" pitchFamily="34" charset="0"/>
-                <a:cs typeface="Segoe UI Semilight" panose="020B0402040204020203" pitchFamily="34" charset="0"/>
-              </a:rPr>
-              <a:t>Our developers were not able to migrate our .NET Core 2.2 application to a more recent version. Should we expect a steep upgrade path with every new version? </a:t>
-            </a:r>
-          </a:p>
-          <a:p>
-            <a:pPr marL="1028700" lvl="1" indent="-571500">
-              <a:lnSpc>
-                <a:spcPct val="150000"/>
-              </a:lnSpc>
-              <a:buFont typeface="Arial" panose="020B0604020202020204" pitchFamily="34" charset="0"/>
-              <a:buChar char="•"/>
-            </a:pPr>
-            <a:r>
-              <a:rPr lang="en-US" sz="2400" dirty="0">
-                <a:latin typeface="Segoe UI Semilight" panose="020B0402040204020203" pitchFamily="34" charset="0"/>
-                <a:cs typeface="Segoe UI Semilight" panose="020B0402040204020203" pitchFamily="34" charset="0"/>
-              </a:rPr>
-              <a:t>When a .NET Core version is EoL (End-of-Life), does that mean we cannot host our solution in Azure?</a:t>
-            </a:r>
-          </a:p>
-          <a:p>
-            <a:pPr marL="1028700" lvl="1" indent="-571500">
-              <a:lnSpc>
-                <a:spcPct val="150000"/>
-              </a:lnSpc>
-              <a:buFont typeface="Arial" panose="020B0604020202020204" pitchFamily="34" charset="0"/>
-              <a:buChar char="•"/>
-            </a:pPr>
-            <a:r>
-              <a:rPr lang="en-US" sz="2400" dirty="0">
-                <a:latin typeface="Segoe UI Semilight" panose="020B0402040204020203" pitchFamily="34" charset="0"/>
-                <a:cs typeface="Segoe UI Semilight" panose="020B0402040204020203" pitchFamily="34" charset="0"/>
-              </a:rPr>
-              <a:t>We hear a lot about Kubernetes. What is the difference between App Services and Kubernetes? </a:t>
-            </a:r>
-          </a:p>
-          <a:p>
-            <a:pPr marL="1028700" lvl="1" indent="-571500">
-              <a:lnSpc>
-                <a:spcPct val="150000"/>
-              </a:lnSpc>
-              <a:buFont typeface="Arial" panose="020B0604020202020204" pitchFamily="34" charset="0"/>
-              <a:buChar char="•"/>
-            </a:pPr>
-            <a:r>
-              <a:rPr lang="en-US" sz="2400" dirty="0">
-                <a:latin typeface="Segoe UI Semilight" panose="020B0402040204020203" pitchFamily="34" charset="0"/>
-                <a:cs typeface="Segoe UI Semilight" panose="020B0402040204020203" pitchFamily="34" charset="0"/>
-              </a:rPr>
-              <a:t>We have plans to scale to Mexico and Brazil. Anything we should be worried about while moving to Azure?</a:t>
-            </a:r>
-            <a:endParaRPr lang="en-US" sz="2400" dirty="0"/>
-          </a:p>
-        </p:txBody>
-      </p:sp>
-    </p:spTree>
-    <p:extLst>
-      <p:ext uri="{BB962C8B-B14F-4D97-AF65-F5344CB8AC3E}">
-        <p14:creationId xmlns:p14="http://schemas.microsoft.com/office/powerpoint/2010/main" val="3173155178"/>
-      </p:ext>
-    </p:extLst>
-  </p:cSld>
-  <p:clrMapOvr>
-    <a:masterClrMapping/>
-  </p:clrMapOvr>
-  <mc:AlternateContent xmlns:mc="http://schemas.openxmlformats.org/markup-compatibility/2006" xmlns:p14="http://schemas.microsoft.com/office/powerpoint/2010/main">
-    <mc:Choice Requires="p14">
-      <p:transition p14:dur="0"/>
-    </mc:Choice>
-    <mc:Fallback xmlns="">
-      <p:transition/>
-    </mc:Fallback>
-  </mc:AlternateContent>
-</p:sld>
-</file>
-
 <file path=ppt/slides/slide19.xml><?xml version="1.0" encoding="utf-8"?>
 <p:sld xmlns:a="http://schemas.openxmlformats.org/drawingml/2006/main" xmlns:r="http://schemas.openxmlformats.org/officeDocument/2006/relationships" xmlns:p="http://schemas.openxmlformats.org/presentationml/2006/main">
   <p:cSld>
@@ -16576,7 +17295,7 @@
                 </a:solidFill>
                 <a:cs typeface="Segoe UI" panose="020B0502040204020203" pitchFamily="34" charset="0"/>
               </a:rPr>
-              <a:t>Customer quote</a:t>
+              <a:t>Preferred objection handling</a:t>
             </a:r>
             <a:br>
               <a:rPr lang="en-US" dirty="0">
@@ -16597,99 +17316,107 @@
       </p:sp>
       <p:sp>
         <p:nvSpPr>
-          <p:cNvPr id="3" name="Content Placeholder 2"/>
-          <p:cNvSpPr>
-            <a:spLocks noGrp="1"/>
-          </p:cNvSpPr>
-          <p:nvPr>
-            <p:ph type="body" sz="quarter" idx="10"/>
-          </p:nvPr>
+          <p:cNvPr id="4" name="TextBox 3"/>
+          <p:cNvSpPr txBox="1"/>
+          <p:nvPr/>
         </p:nvSpPr>
         <p:spPr>
           <a:xfrm>
-            <a:off x="823350" y="1599079"/>
-            <a:ext cx="10259809" cy="3603541"/>
+            <a:off x="-256858" y="1085192"/>
+            <a:ext cx="11805658" cy="5212645"/>
           </a:xfrm>
+          <a:prstGeom prst="rect">
+            <a:avLst/>
+          </a:prstGeom>
+          <a:noFill/>
         </p:spPr>
         <p:txBody>
-          <a:bodyPr>
-            <a:normAutofit fontScale="92500" lnSpcReduction="10000"/>
+          <a:bodyPr wrap="square" lIns="182880" tIns="146304" rIns="182880" bIns="146304" rtlCol="0">
+            <a:spAutoFit/>
           </a:bodyPr>
           <a:lstStyle/>
           <a:p>
-            <a:pPr marL="0" indent="0">
-              <a:buNone/>
+            <a:pPr marL="1028700" lvl="1" indent="-571500">
+              <a:lnSpc>
+                <a:spcPct val="150000"/>
+              </a:lnSpc>
+              <a:buFont typeface="Arial" panose="020B0604020202020204" pitchFamily="34" charset="0"/>
+              <a:buChar char="•"/>
             </a:pPr>
             <a:r>
-              <a:rPr lang="en-US" sz="3600" i="1" dirty="0">
-                <a:solidFill>
-                  <a:schemeClr val="tx1"/>
-                </a:solidFill>
+              <a:rPr lang="en-US" sz="2400" dirty="0">
+                <a:latin typeface="Segoe UI Semilight" panose="020B0402040204020203" pitchFamily="34" charset="0"/>
+                <a:cs typeface="Segoe UI Semilight" panose="020B0402040204020203" pitchFamily="34" charset="0"/>
               </a:rPr>
-              <a:t>“Microsoft has done a brilliant job with the technology they have put into the cloud. We are confident that our Azure-hosted applications are now scalable and resilient, and our team has all the tools they need to be more productive in modernizing our e-commerce platform. We could not be happier running Parts Unlimited on Azure.”</a:t>
-            </a:r>
-          </a:p>
-          <a:p>
-            <a:pPr marL="0" indent="0">
-              <a:buNone/>
+              <a:t>Our developers were not able to migrate our .NET Core 2.2 application to a more recent version. Should we expect a steep upgrade path with every new version? </a:t>
+            </a:r>
+          </a:p>
+          <a:p>
+            <a:pPr marL="1028700" lvl="1" indent="-571500">
+              <a:lnSpc>
+                <a:spcPct val="150000"/>
+              </a:lnSpc>
+              <a:buFont typeface="Arial" panose="020B0604020202020204" pitchFamily="34" charset="0"/>
+              <a:buChar char="•"/>
             </a:pPr>
-            <a:endParaRPr lang="en-US" sz="2800" dirty="0">
-              <a:solidFill>
-                <a:schemeClr val="tx1"/>
-              </a:solidFill>
-            </a:endParaRPr>
-          </a:p>
-          <a:p>
-            <a:pPr marL="0" indent="0">
-              <a:buNone/>
+            <a:r>
+              <a:rPr lang="en-US" sz="2400" dirty="0">
+                <a:latin typeface="Segoe UI Semilight" panose="020B0402040204020203" pitchFamily="34" charset="0"/>
+                <a:cs typeface="Segoe UI Semilight" panose="020B0402040204020203" pitchFamily="34" charset="0"/>
+              </a:rPr>
+              <a:t>When a .NET Core version is EoL (End-of-Life), does that mean we cannot host our solution in Azure?</a:t>
+            </a:r>
+          </a:p>
+          <a:p>
+            <a:pPr marL="1028700" lvl="1" indent="-571500">
+              <a:lnSpc>
+                <a:spcPct val="150000"/>
+              </a:lnSpc>
+              <a:buFont typeface="Arial" panose="020B0604020202020204" pitchFamily="34" charset="0"/>
+              <a:buChar char="•"/>
             </a:pPr>
             <a:r>
-              <a:rPr lang="en-US" sz="2800" dirty="0">
-                <a:solidFill>
-                  <a:schemeClr val="tx1"/>
-                </a:solidFill>
+              <a:rPr lang="en-US" sz="2400" dirty="0">
+                <a:latin typeface="Segoe UI Semilight" panose="020B0402040204020203" pitchFamily="34" charset="0"/>
+                <a:cs typeface="Segoe UI Semilight" panose="020B0402040204020203" pitchFamily="34" charset="0"/>
               </a:rPr>
-              <a:t>Casey Jensen, CEO, Parts Unlimited, Ltd.</a:t>
-            </a:r>
-          </a:p>
-          <a:p>
-            <a:endParaRPr lang="en-US" sz="3600" dirty="0">
-              <a:solidFill>
-                <a:schemeClr val="tx1"/>
-              </a:solidFill>
-              <a:latin typeface="+mj-lt"/>
-            </a:endParaRPr>
-          </a:p>
-          <a:p>
-            <a:pPr marL="0" indent="0">
-              <a:spcAft>
-                <a:spcPts val="882"/>
-              </a:spcAft>
-              <a:buNone/>
+              <a:t>We hear a lot about Kubernetes. What is the difference between App Services and Kubernetes? </a:t>
+            </a:r>
+          </a:p>
+          <a:p>
+            <a:pPr marL="1028700" lvl="1" indent="-571500">
+              <a:lnSpc>
+                <a:spcPct val="150000"/>
+              </a:lnSpc>
+              <a:buFont typeface="Arial" panose="020B0604020202020204" pitchFamily="34" charset="0"/>
+              <a:buChar char="•"/>
             </a:pPr>
-            <a:endParaRPr lang="en-US" sz="1800" dirty="0">
-              <a:solidFill>
-                <a:schemeClr val="tx1"/>
-              </a:solidFill>
-            </a:endParaRPr>
+            <a:r>
+              <a:rPr lang="en-US" sz="2400" dirty="0">
+                <a:latin typeface="Segoe UI Semilight" panose="020B0402040204020203" pitchFamily="34" charset="0"/>
+                <a:cs typeface="Segoe UI Semilight" panose="020B0402040204020203" pitchFamily="34" charset="0"/>
+              </a:rPr>
+              <a:t>We have plans to scale to Mexico and Brazil. Anything we should be worried about while moving to Azure?</a:t>
+            </a:r>
+            <a:endParaRPr lang="en-US" sz="2400" dirty="0"/>
           </a:p>
         </p:txBody>
       </p:sp>
     </p:spTree>
     <p:extLst>
       <p:ext uri="{BB962C8B-B14F-4D97-AF65-F5344CB8AC3E}">
-        <p14:creationId xmlns:p14="http://schemas.microsoft.com/office/powerpoint/2010/main" val="2584764470"/>
+        <p14:creationId xmlns:p14="http://schemas.microsoft.com/office/powerpoint/2010/main" val="3173155178"/>
       </p:ext>
     </p:extLst>
   </p:cSld>
   <p:clrMapOvr>
     <a:masterClrMapping/>
   </p:clrMapOvr>
-  <mc:AlternateContent xmlns:mc="http://schemas.openxmlformats.org/markup-compatibility/2006" xmlns:p14="http://schemas.microsoft.com/office/powerpoint/2010/main">
-    <mc:Choice Requires="p14">
+  <mc:AlternateContent xmlns:mc="http://schemas.openxmlformats.org/markup-compatibility/2006">
+    <mc:Choice xmlns:p14="http://schemas.microsoft.com/office/powerpoint/2010/main" Requires="p14">
       <p:transition p14:dur="0"/>
     </mc:Choice>
-    <mc:Fallback xmlns="">
+    <mc:Fallback>
       <p:transition/>
     </mc:Fallback>
   </mc:AlternateContent>
@@ -16856,6 +17583,167 @@
 </file>
 
 <file path=ppt/slides/slide20.xml><?xml version="1.0" encoding="utf-8"?>
+<p:sld xmlns:a="http://schemas.openxmlformats.org/drawingml/2006/main" xmlns:r="http://schemas.openxmlformats.org/officeDocument/2006/relationships" xmlns:p="http://schemas.openxmlformats.org/presentationml/2006/main">
+  <p:cSld>
+    <p:spTree>
+      <p:nvGrpSpPr>
+        <p:cNvPr id="1" name=""/>
+        <p:cNvGrpSpPr/>
+        <p:nvPr/>
+      </p:nvGrpSpPr>
+      <p:grpSpPr>
+        <a:xfrm>
+          <a:off x="0" y="0"/>
+          <a:ext cx="0" cy="0"/>
+          <a:chOff x="0" y="0"/>
+          <a:chExt cx="0" cy="0"/>
+        </a:xfrm>
+      </p:grpSpPr>
+      <p:sp>
+        <p:nvSpPr>
+          <p:cNvPr id="2" name="Title 1"/>
+          <p:cNvSpPr>
+            <a:spLocks noGrp="1"/>
+          </p:cNvSpPr>
+          <p:nvPr>
+            <p:ph type="title"/>
+          </p:nvPr>
+        </p:nvSpPr>
+        <p:spPr/>
+        <p:txBody>
+          <a:bodyPr>
+            <a:normAutofit fontScale="90000"/>
+          </a:bodyPr>
+          <a:lstStyle/>
+          <a:p>
+            <a:r>
+              <a:rPr lang="en-US" sz="4900" dirty="0">
+                <a:solidFill>
+                  <a:schemeClr val="tx1"/>
+                </a:solidFill>
+                <a:cs typeface="Segoe UI" panose="020B0502040204020203" pitchFamily="34" charset="0"/>
+              </a:rPr>
+              <a:t>Customer quote</a:t>
+            </a:r>
+            <a:br>
+              <a:rPr lang="en-US" dirty="0">
+                <a:solidFill>
+                  <a:schemeClr val="tx1"/>
+                </a:solidFill>
+                <a:latin typeface="Segoe UI" panose="020B0502040204020203" pitchFamily="34" charset="0"/>
+              </a:rPr>
+            </a:br>
+            <a:endParaRPr lang="en-US" sz="3236" dirty="0">
+              <a:solidFill>
+                <a:schemeClr val="tx1"/>
+              </a:solidFill>
+              <a:latin typeface="Segoe UI" panose="020B0502040204020203" pitchFamily="34" charset="0"/>
+            </a:endParaRPr>
+          </a:p>
+        </p:txBody>
+      </p:sp>
+      <p:sp>
+        <p:nvSpPr>
+          <p:cNvPr id="3" name="Content Placeholder 2"/>
+          <p:cNvSpPr>
+            <a:spLocks noGrp="1"/>
+          </p:cNvSpPr>
+          <p:nvPr>
+            <p:ph type="body" sz="quarter" idx="10"/>
+          </p:nvPr>
+        </p:nvSpPr>
+        <p:spPr>
+          <a:xfrm>
+            <a:off x="823350" y="1599079"/>
+            <a:ext cx="10259809" cy="3603541"/>
+          </a:xfrm>
+        </p:spPr>
+        <p:txBody>
+          <a:bodyPr>
+            <a:normAutofit fontScale="92500" lnSpcReduction="10000"/>
+          </a:bodyPr>
+          <a:lstStyle/>
+          <a:p>
+            <a:pPr marL="0" indent="0">
+              <a:buNone/>
+            </a:pPr>
+            <a:r>
+              <a:rPr lang="en-US" sz="3600" i="1" dirty="0">
+                <a:solidFill>
+                  <a:schemeClr val="tx1"/>
+                </a:solidFill>
+              </a:rPr>
+              <a:t>“Microsoft has done a brilliant job with the technology they have put into the cloud. We are confident that our Azure-hosted applications are now scalable and resilient, and our team has all the tools they need to be more productive in modernizing our e-commerce platform. We could not be happier running Parts Unlimited on Azure.”</a:t>
+            </a:r>
+          </a:p>
+          <a:p>
+            <a:pPr marL="0" indent="0">
+              <a:buNone/>
+            </a:pPr>
+            <a:endParaRPr lang="en-US" sz="2800" dirty="0">
+              <a:solidFill>
+                <a:schemeClr val="tx1"/>
+              </a:solidFill>
+            </a:endParaRPr>
+          </a:p>
+          <a:p>
+            <a:pPr marL="0" indent="0">
+              <a:buNone/>
+            </a:pPr>
+            <a:r>
+              <a:rPr lang="en-US" sz="2800" dirty="0">
+                <a:solidFill>
+                  <a:schemeClr val="tx1"/>
+                </a:solidFill>
+              </a:rPr>
+              <a:t>Casey Jensen, CEO, Parts Unlimited, Ltd.</a:t>
+            </a:r>
+          </a:p>
+          <a:p>
+            <a:endParaRPr lang="en-US" sz="3600" dirty="0">
+              <a:solidFill>
+                <a:schemeClr val="tx1"/>
+              </a:solidFill>
+              <a:latin typeface="+mj-lt"/>
+            </a:endParaRPr>
+          </a:p>
+          <a:p>
+            <a:pPr marL="0" indent="0">
+              <a:spcAft>
+                <a:spcPts val="882"/>
+              </a:spcAft>
+              <a:buNone/>
+            </a:pPr>
+            <a:endParaRPr lang="en-US" sz="1800" dirty="0">
+              <a:solidFill>
+                <a:schemeClr val="tx1"/>
+              </a:solidFill>
+            </a:endParaRPr>
+          </a:p>
+        </p:txBody>
+      </p:sp>
+    </p:spTree>
+    <p:extLst>
+      <p:ext uri="{BB962C8B-B14F-4D97-AF65-F5344CB8AC3E}">
+        <p14:creationId xmlns:p14="http://schemas.microsoft.com/office/powerpoint/2010/main" val="2584764470"/>
+      </p:ext>
+    </p:extLst>
+  </p:cSld>
+  <p:clrMapOvr>
+    <a:masterClrMapping/>
+  </p:clrMapOvr>
+  <mc:AlternateContent xmlns:mc="http://schemas.openxmlformats.org/markup-compatibility/2006" xmlns:p14="http://schemas.microsoft.com/office/powerpoint/2010/main">
+    <mc:Choice Requires="p14">
+      <p:transition p14:dur="0"/>
+    </mc:Choice>
+    <mc:Fallback xmlns="">
+      <p:transition/>
+    </mc:Fallback>
+  </mc:AlternateContent>
+</p:sld>
+</file>
+
+<file path=ppt/slides/slide21.xml><?xml version="1.0" encoding="utf-8"?>
 <p:sld xmlns:a="http://schemas.openxmlformats.org/drawingml/2006/main" xmlns:r="http://schemas.openxmlformats.org/officeDocument/2006/relationships" xmlns:p="http://schemas.openxmlformats.org/presentationml/2006/main">
   <p:cSld>
     <p:bg>
@@ -17844,7 +18732,7 @@
 </file>
 
 <file path=ppt/slides/slide7.xml><?xml version="1.0" encoding="utf-8"?>
-<p:sld xmlns:a="http://schemas.openxmlformats.org/drawingml/2006/main" xmlns:r="http://schemas.openxmlformats.org/officeDocument/2006/relationships" xmlns:p="http://schemas.openxmlformats.org/presentationml/2006/main">
+<p:sld xmlns:a="http://schemas.openxmlformats.org/drawingml/2006/main" xmlns:r="http://schemas.openxmlformats.org/officeDocument/2006/relationships" xmlns:p="http://schemas.openxmlformats.org/presentationml/2006/main" show="0">
   <p:cSld>
     <p:spTree>
       <p:nvGrpSpPr>
@@ -18043,11 +18931,11 @@
   <p:clrMapOvr>
     <a:masterClrMapping/>
   </p:clrMapOvr>
-  <mc:AlternateContent xmlns:mc="http://schemas.openxmlformats.org/markup-compatibility/2006" xmlns:p14="http://schemas.microsoft.com/office/powerpoint/2010/main">
-    <mc:Choice Requires="p14">
+  <mc:AlternateContent xmlns:mc="http://schemas.openxmlformats.org/markup-compatibility/2006">
+    <mc:Choice xmlns:p14="http://schemas.microsoft.com/office/powerpoint/2010/main" Requires="p14">
       <p:transition p14:dur="0"/>
     </mc:Choice>
-    <mc:Fallback xmlns="">
+    <mc:Fallback>
       <p:transition/>
     </mc:Fallback>
   </mc:AlternateContent>
@@ -18101,17 +18989,17 @@
                 <a:latin typeface="Segoe UI Light" panose="020B0502040204020203" pitchFamily="34" charset="0"/>
                 <a:cs typeface="Segoe UI Light" panose="020B0502040204020203" pitchFamily="34" charset="0"/>
               </a:rPr>
-              <a:t>Step 2: Design the solution</a:t>
+              <a:t>Customer questions</a:t>
             </a:r>
           </a:p>
         </p:txBody>
       </p:sp>
       <p:sp>
         <p:nvSpPr>
-          <p:cNvPr id="9" name="TextBox 8">
+          <p:cNvPr id="6" name="TextBox 5">
             <a:extLst>
               <a:ext uri="{FF2B5EF4-FFF2-40B4-BE49-F238E27FC236}">
-                <a16:creationId xmlns:a16="http://schemas.microsoft.com/office/drawing/2014/main" id="{0F86F9F9-39B5-4CE6-AF48-9ADAE40EA728}"/>
+                <a16:creationId xmlns:a16="http://schemas.microsoft.com/office/drawing/2014/main" id="{A41D16F1-FC6A-4166-9A60-C166C7F9DD79}"/>
               </a:ext>
             </a:extLst>
           </p:cNvPr>
@@ -18120,8 +19008,8 @@
         </p:nvSpPr>
         <p:spPr>
           <a:xfrm>
-            <a:off x="362057" y="1741246"/>
-            <a:ext cx="10652686" cy="2930033"/>
+            <a:off x="0" y="1069849"/>
+            <a:ext cx="12192000" cy="5913927"/>
           </a:xfrm>
           <a:prstGeom prst="rect">
             <a:avLst/>
@@ -18129,448 +19017,400 @@
           <a:noFill/>
         </p:spPr>
         <p:txBody>
-          <a:bodyPr wrap="square" lIns="182880" tIns="146304" rIns="182880" bIns="146304" rtlCol="0">
+          <a:bodyPr wrap="square">
             <a:spAutoFit/>
           </a:bodyPr>
           <a:lstStyle/>
           <a:p>
-            <a:pPr>
+            <a:pPr marL="572691" lvl="1" indent="-236546" defTabSz="914367">
               <a:lnSpc>
                 <a:spcPct val="90000"/>
               </a:lnSpc>
-              <a:spcAft>
-                <a:spcPts val="600"/>
-              </a:spcAft>
+              <a:spcBef>
+                <a:spcPct val="20000"/>
+              </a:spcBef>
+              <a:buSzPct val="90000"/>
+              <a:buFont typeface="Arial" pitchFamily="34" charset="0"/>
+              <a:buChar char="•"/>
             </a:pPr>
             <a:r>
-              <a:rPr lang="en-US" sz="3600" dirty="0">
-                <a:latin typeface="+mj-lt"/>
+              <a:rPr lang="en-US" dirty="0">
+                <a:latin typeface="Segoe UI Semilight" panose="020B0402040204020203" pitchFamily="34" charset="0"/>
+                <a:cs typeface="Segoe UI Semilight" panose="020B0402040204020203" pitchFamily="34" charset="0"/>
               </a:rPr>
-              <a:t>Outcome</a:t>
-            </a:r>
-          </a:p>
-          <a:p>
-            <a:pPr>
+              <a:t>High-level architecture</a:t>
+            </a:r>
+          </a:p>
+          <a:p>
+            <a:pPr marL="1079095" lvl="2" indent="-285750" defTabSz="914367">
               <a:lnSpc>
                 <a:spcPct val="90000"/>
               </a:lnSpc>
-              <a:spcAft>
-                <a:spcPts val="600"/>
-              </a:spcAft>
+              <a:spcBef>
+                <a:spcPct val="20000"/>
+              </a:spcBef>
+              <a:buSzPct val="90000"/>
+              <a:buFont typeface="Courier New" panose="02070309020205020404" pitchFamily="49" charset="0"/>
+              <a:buChar char="o"/>
             </a:pPr>
             <a:r>
-              <a:rPr lang="en-US" sz="2400" dirty="0">
+              <a:rPr lang="en-US" sz="1500" dirty="0">
                 <a:latin typeface="Segoe UI Semilight" panose="020B0402040204020203" pitchFamily="34" charset="0"/>
                 <a:cs typeface="Segoe UI Semilight" panose="020B0402040204020203" pitchFamily="34" charset="0"/>
               </a:rPr>
-              <a:t>Design a solution and prepare to present the solution to the target customer audience in a 15-minute chalk-talk format.</a:t>
-            </a:r>
-          </a:p>
-          <a:p>
-            <a:pPr>
+              <a:t>Diagram your initial vision for handling the top-level requirements for the e-commerce site, database, DevOps, and order processing.</a:t>
+            </a:r>
+          </a:p>
+          <a:p>
+            <a:pPr marL="1079095" lvl="2" indent="-285750" defTabSz="914367">
               <a:lnSpc>
                 <a:spcPct val="90000"/>
               </a:lnSpc>
-              <a:spcAft>
-                <a:spcPts val="600"/>
-              </a:spcAft>
+              <a:spcBef>
+                <a:spcPct val="20000"/>
+              </a:spcBef>
+              <a:buSzPct val="90000"/>
+              <a:buFont typeface="Courier New" panose="02070309020205020404" pitchFamily="49" charset="0"/>
+              <a:buChar char="o"/>
             </a:pPr>
-            <a:endParaRPr lang="en-US" sz="2400" dirty="0"/>
-          </a:p>
-          <a:p>
-            <a:pPr>
+            <a:endParaRPr lang="en-US" sz="1400" dirty="0">
+              <a:latin typeface="Segoe UI Semilight" panose="020B0402040204020203" pitchFamily="34" charset="0"/>
+              <a:cs typeface="Segoe UI Semilight" panose="020B0402040204020203" pitchFamily="34" charset="0"/>
+            </a:endParaRPr>
+          </a:p>
+          <a:p>
+            <a:pPr marL="572691" lvl="1" indent="-236546" defTabSz="914367">
               <a:lnSpc>
                 <a:spcPct val="90000"/>
               </a:lnSpc>
-              <a:spcAft>
-                <a:spcPts val="600"/>
-              </a:spcAft>
+              <a:spcBef>
+                <a:spcPct val="20000"/>
+              </a:spcBef>
+              <a:buSzPct val="90000"/>
+              <a:buFont typeface="Arial" pitchFamily="34" charset="0"/>
+              <a:buChar char="•"/>
             </a:pPr>
             <a:r>
-              <a:rPr lang="en-US" sz="3600" dirty="0">
-                <a:latin typeface="+mj-lt"/>
+              <a:rPr lang="en-US" dirty="0">
+                <a:latin typeface="Segoe UI Semilight" panose="020B0402040204020203" pitchFamily="34" charset="0"/>
+                <a:cs typeface="Segoe UI Semilight" panose="020B0402040204020203" pitchFamily="34" charset="0"/>
               </a:rPr>
-              <a:t>Timeframe</a:t>
-            </a:r>
-          </a:p>
-          <a:p>
-            <a:pPr>
+              <a:t>Assessment and Migration</a:t>
+            </a:r>
+          </a:p>
+          <a:p>
+            <a:pPr marL="1079095" lvl="2" indent="-285750" defTabSz="914367">
               <a:lnSpc>
                 <a:spcPct val="90000"/>
               </a:lnSpc>
-              <a:spcAft>
-                <a:spcPts val="600"/>
-              </a:spcAft>
+              <a:spcBef>
+                <a:spcPct val="20000"/>
+              </a:spcBef>
+              <a:buSzPct val="90000"/>
+              <a:buFont typeface="Courier New" panose="02070309020205020404" pitchFamily="49" charset="0"/>
+              <a:buChar char="o"/>
             </a:pPr>
             <a:r>
-              <a:rPr lang="en-US" sz="2400" dirty="0">
+              <a:rPr lang="en-US" sz="1500" dirty="0">
                 <a:latin typeface="Segoe UI Semilight" panose="020B0402040204020203" pitchFamily="34" charset="0"/>
                 <a:cs typeface="Segoe UI Semilight" panose="020B0402040204020203" pitchFamily="34" charset="0"/>
               </a:rPr>
-              <a:t>60 minutes</a:t>
-            </a:r>
+              <a:t>Where should Parts Unlimited start its assessment and migration journey? Is there a single place to start and find all the tools and services?</a:t>
+            </a:r>
+          </a:p>
+          <a:p>
+            <a:pPr marL="1079095" lvl="2" indent="-285750" defTabSz="914367">
+              <a:lnSpc>
+                <a:spcPct val="90000"/>
+              </a:lnSpc>
+              <a:spcBef>
+                <a:spcPct val="20000"/>
+              </a:spcBef>
+              <a:buSzPct val="90000"/>
+              <a:buFont typeface="Courier New" panose="02070309020205020404" pitchFamily="49" charset="0"/>
+              <a:buChar char="o"/>
+            </a:pPr>
+            <a:r>
+              <a:rPr lang="en-US" sz="1500" dirty="0">
+                <a:latin typeface="Segoe UI Semilight" panose="020B0402040204020203" pitchFamily="34" charset="0"/>
+                <a:cs typeface="Segoe UI Semilight" panose="020B0402040204020203" pitchFamily="34" charset="0"/>
+              </a:rPr>
+              <a:t>What tools would you recommend Parts Unlimited use to assess and migrate its web application? How would you use these?</a:t>
+            </a:r>
+          </a:p>
+          <a:p>
+            <a:pPr marL="1079095" lvl="2" indent="-285750" defTabSz="914367">
+              <a:lnSpc>
+                <a:spcPct val="90000"/>
+              </a:lnSpc>
+              <a:spcBef>
+                <a:spcPct val="20000"/>
+              </a:spcBef>
+              <a:buSzPct val="90000"/>
+              <a:buFont typeface="Courier New" panose="02070309020205020404" pitchFamily="49" charset="0"/>
+              <a:buChar char="o"/>
+            </a:pPr>
+            <a:r>
+              <a:rPr lang="en-US" sz="1500" dirty="0">
+                <a:latin typeface="Segoe UI Semilight" panose="020B0402040204020203" pitchFamily="34" charset="0"/>
+                <a:cs typeface="Segoe UI Semilight" panose="020B0402040204020203" pitchFamily="34" charset="0"/>
+              </a:rPr>
+              <a:t>What tools would you recommend Parts Unlimited use to migrate its database? How would you use these? Be specific.</a:t>
+            </a:r>
+          </a:p>
+          <a:p>
+            <a:pPr marL="1079095" lvl="2" indent="-285750" defTabSz="914367">
+              <a:lnSpc>
+                <a:spcPct val="90000"/>
+              </a:lnSpc>
+              <a:spcBef>
+                <a:spcPct val="20000"/>
+              </a:spcBef>
+              <a:buSzPct val="90000"/>
+              <a:buFont typeface="Courier New" panose="02070309020205020404" pitchFamily="49" charset="0"/>
+              <a:buChar char="o"/>
+            </a:pPr>
+            <a:r>
+              <a:rPr lang="en-US" sz="1500" dirty="0">
+                <a:latin typeface="Segoe UI Semilight" panose="020B0402040204020203" pitchFamily="34" charset="0"/>
+                <a:cs typeface="Segoe UI Semilight" panose="020B0402040204020203" pitchFamily="34" charset="0"/>
+              </a:rPr>
+              <a:t>What Azure service would host the website?</a:t>
+            </a:r>
+          </a:p>
+          <a:p>
+            <a:pPr marL="1079095" lvl="2" indent="-285750" defTabSz="914367">
+              <a:lnSpc>
+                <a:spcPct val="90000"/>
+              </a:lnSpc>
+              <a:spcBef>
+                <a:spcPct val="20000"/>
+              </a:spcBef>
+              <a:buSzPct val="90000"/>
+              <a:buFont typeface="Courier New" panose="02070309020205020404" pitchFamily="49" charset="0"/>
+              <a:buChar char="o"/>
+            </a:pPr>
+            <a:r>
+              <a:rPr lang="en-US" sz="1500" dirty="0">
+                <a:latin typeface="Segoe UI Semilight" panose="020B0402040204020203" pitchFamily="34" charset="0"/>
+                <a:cs typeface="Segoe UI Semilight" panose="020B0402040204020203" pitchFamily="34" charset="0"/>
+              </a:rPr>
+              <a:t>Would there be any problems with the .NET Core version being </a:t>
+            </a:r>
+            <a:r>
+              <a:rPr lang="en-US" sz="1500" dirty="0" err="1">
+                <a:latin typeface="Segoe UI Semilight" panose="020B0402040204020203" pitchFamily="34" charset="0"/>
+                <a:cs typeface="Segoe UI Semilight" panose="020B0402040204020203" pitchFamily="34" charset="0"/>
+              </a:rPr>
+              <a:t>EoL</a:t>
+            </a:r>
+            <a:r>
+              <a:rPr lang="en-US" sz="1500" dirty="0">
+                <a:latin typeface="Segoe UI Semilight" panose="020B0402040204020203" pitchFamily="34" charset="0"/>
+                <a:cs typeface="Segoe UI Semilight" panose="020B0402040204020203" pitchFamily="34" charset="0"/>
+              </a:rPr>
+              <a:t> (End-of-Life)?</a:t>
+            </a:r>
+          </a:p>
+          <a:p>
+            <a:pPr marL="1079095" lvl="2" indent="-285750" defTabSz="914367">
+              <a:lnSpc>
+                <a:spcPct val="90000"/>
+              </a:lnSpc>
+              <a:spcBef>
+                <a:spcPct val="20000"/>
+              </a:spcBef>
+              <a:buSzPct val="90000"/>
+              <a:buFont typeface="Courier New" panose="02070309020205020404" pitchFamily="49" charset="0"/>
+              <a:buChar char="o"/>
+            </a:pPr>
+            <a:endParaRPr lang="en-US" sz="1400" dirty="0">
+              <a:latin typeface="Segoe UI Semilight" panose="020B0402040204020203" pitchFamily="34" charset="0"/>
+              <a:cs typeface="Segoe UI Semilight" panose="020B0402040204020203" pitchFamily="34" charset="0"/>
+            </a:endParaRPr>
+          </a:p>
+          <a:p>
+            <a:pPr marL="572691" lvl="1" indent="-236546" defTabSz="914367">
+              <a:lnSpc>
+                <a:spcPct val="90000"/>
+              </a:lnSpc>
+              <a:spcBef>
+                <a:spcPct val="20000"/>
+              </a:spcBef>
+              <a:buSzPct val="90000"/>
+              <a:buFont typeface="Arial" pitchFamily="34" charset="0"/>
+              <a:buChar char="•"/>
+            </a:pPr>
+            <a:r>
+              <a:rPr lang="en-US" dirty="0">
+                <a:latin typeface="Segoe UI Semilight" panose="020B0402040204020203" pitchFamily="34" charset="0"/>
+                <a:cs typeface="Segoe UI Semilight" panose="020B0402040204020203" pitchFamily="34" charset="0"/>
+              </a:rPr>
+              <a:t>Modernization</a:t>
+            </a:r>
+          </a:p>
+          <a:p>
+            <a:pPr marL="1079095" lvl="2" indent="-285750" defTabSz="914367">
+              <a:lnSpc>
+                <a:spcPct val="90000"/>
+              </a:lnSpc>
+              <a:spcBef>
+                <a:spcPct val="20000"/>
+              </a:spcBef>
+              <a:buSzPct val="90000"/>
+              <a:buFont typeface="Courier New" panose="02070309020205020404" pitchFamily="49" charset="0"/>
+              <a:buChar char="o"/>
+            </a:pPr>
+            <a:r>
+              <a:rPr lang="en-US" sz="1500" dirty="0">
+                <a:latin typeface="Segoe UI Semilight" panose="020B0402040204020203" pitchFamily="34" charset="0"/>
+                <a:cs typeface="Segoe UI Semilight" panose="020B0402040204020203" pitchFamily="34" charset="0"/>
+              </a:rPr>
+              <a:t>What Azure service would provide a scalable, serverless solution for order processing that handles unexpected spikes and can be implemented with the least amount of code change required in the web application?</a:t>
+            </a:r>
+          </a:p>
+          <a:p>
+            <a:pPr marL="1079095" lvl="2" indent="-285750" defTabSz="914367">
+              <a:lnSpc>
+                <a:spcPct val="90000"/>
+              </a:lnSpc>
+              <a:spcBef>
+                <a:spcPct val="20000"/>
+              </a:spcBef>
+              <a:buSzPct val="90000"/>
+              <a:buFont typeface="Courier New" panose="02070309020205020404" pitchFamily="49" charset="0"/>
+              <a:buChar char="o"/>
+            </a:pPr>
+            <a:r>
+              <a:rPr lang="en-US" sz="1500" dirty="0">
+                <a:latin typeface="Segoe UI Semilight" panose="020B0402040204020203" pitchFamily="34" charset="0"/>
+                <a:cs typeface="Segoe UI Semilight" panose="020B0402040204020203" pitchFamily="34" charset="0"/>
+              </a:rPr>
+              <a:t>Parts Unlimited wants to create PDF invoices. What would be a serverless way of implementing it?</a:t>
+            </a:r>
+          </a:p>
+          <a:p>
+            <a:pPr marL="1079095" lvl="2" indent="-285750" defTabSz="914367">
+              <a:lnSpc>
+                <a:spcPct val="90000"/>
+              </a:lnSpc>
+              <a:spcBef>
+                <a:spcPct val="20000"/>
+              </a:spcBef>
+              <a:buSzPct val="90000"/>
+              <a:buFont typeface="Courier New" panose="02070309020205020404" pitchFamily="49" charset="0"/>
+              <a:buChar char="o"/>
+            </a:pPr>
+            <a:r>
+              <a:rPr lang="en-US" sz="1500" dirty="0">
+                <a:latin typeface="Segoe UI Semilight" panose="020B0402040204020203" pitchFamily="34" charset="0"/>
+                <a:cs typeface="Segoe UI Semilight" panose="020B0402040204020203" pitchFamily="34" charset="0"/>
+              </a:rPr>
+              <a:t>How can Parts Unlimited monitor its application performance in the cloud?</a:t>
+            </a:r>
+          </a:p>
+          <a:p>
+            <a:pPr marL="1079095" lvl="2" indent="-285750" defTabSz="914367">
+              <a:lnSpc>
+                <a:spcPct val="90000"/>
+              </a:lnSpc>
+              <a:spcBef>
+                <a:spcPct val="20000"/>
+              </a:spcBef>
+              <a:buSzPct val="90000"/>
+              <a:buFont typeface="Courier New" panose="02070309020205020404" pitchFamily="49" charset="0"/>
+              <a:buChar char="o"/>
+            </a:pPr>
+            <a:r>
+              <a:rPr lang="en-US" sz="1500" dirty="0">
+                <a:latin typeface="Segoe UI Semilight" panose="020B0402040204020203" pitchFamily="34" charset="0"/>
+                <a:cs typeface="Segoe UI Semilight" panose="020B0402040204020203" pitchFamily="34" charset="0"/>
+              </a:rPr>
+              <a:t>How can Parts Unlimited make sure their SQL Database in the cloud always has the right amount of resources to accommodate unexpected spikes in load?</a:t>
+            </a:r>
+          </a:p>
+          <a:p>
+            <a:pPr marL="1079095" lvl="2" indent="-285750" defTabSz="914367">
+              <a:lnSpc>
+                <a:spcPct val="90000"/>
+              </a:lnSpc>
+              <a:spcBef>
+                <a:spcPct val="20000"/>
+              </a:spcBef>
+              <a:buSzPct val="90000"/>
+              <a:buFont typeface="Courier New" panose="02070309020205020404" pitchFamily="49" charset="0"/>
+              <a:buChar char="o"/>
+            </a:pPr>
+            <a:endParaRPr lang="en-US" sz="1400" dirty="0">
+              <a:latin typeface="Segoe UI Semilight" panose="020B0402040204020203" pitchFamily="34" charset="0"/>
+              <a:cs typeface="Segoe UI Semilight" panose="020B0402040204020203" pitchFamily="34" charset="0"/>
+            </a:endParaRPr>
+          </a:p>
+          <a:p>
+            <a:pPr marL="572691" lvl="1" indent="-236546" defTabSz="914367">
+              <a:lnSpc>
+                <a:spcPct val="90000"/>
+              </a:lnSpc>
+              <a:spcBef>
+                <a:spcPct val="20000"/>
+              </a:spcBef>
+              <a:buSzPct val="90000"/>
+              <a:buFont typeface="Arial" pitchFamily="34" charset="0"/>
+              <a:buChar char="•"/>
+            </a:pPr>
+            <a:r>
+              <a:rPr lang="en-US" dirty="0">
+                <a:latin typeface="Segoe UI Semilight" panose="020B0402040204020203" pitchFamily="34" charset="0"/>
+                <a:cs typeface="Segoe UI Semilight" panose="020B0402040204020203" pitchFamily="34" charset="0"/>
+              </a:rPr>
+              <a:t>DevOps</a:t>
+            </a:r>
+          </a:p>
+          <a:p>
+            <a:pPr marL="1079095" lvl="2" indent="-285750" defTabSz="914367">
+              <a:lnSpc>
+                <a:spcPct val="90000"/>
+              </a:lnSpc>
+              <a:spcBef>
+                <a:spcPct val="20000"/>
+              </a:spcBef>
+              <a:buSzPct val="90000"/>
+              <a:buFont typeface="Courier New" panose="02070309020205020404" pitchFamily="49" charset="0"/>
+              <a:buChar char="o"/>
+            </a:pPr>
+            <a:r>
+              <a:rPr lang="en-US" sz="1500" dirty="0">
+                <a:latin typeface="Segoe UI Semilight" panose="020B0402040204020203" pitchFamily="34" charset="0"/>
+                <a:cs typeface="Segoe UI Semilight" panose="020B0402040204020203" pitchFamily="34" charset="0"/>
+              </a:rPr>
+              <a:t>Parts Unlimited wants to test new functionality and bugfixes before shipping to production. What would you suggest?</a:t>
+            </a:r>
+          </a:p>
+          <a:p>
+            <a:pPr marL="1079095" lvl="2" indent="-285750" defTabSz="914367">
+              <a:lnSpc>
+                <a:spcPct val="90000"/>
+              </a:lnSpc>
+              <a:spcBef>
+                <a:spcPct val="20000"/>
+              </a:spcBef>
+              <a:buSzPct val="90000"/>
+              <a:buFont typeface="Courier New" panose="02070309020205020404" pitchFamily="49" charset="0"/>
+              <a:buChar char="o"/>
+            </a:pPr>
+            <a:r>
+              <a:rPr lang="en-US" sz="1500" dirty="0">
+                <a:latin typeface="Segoe UI Semilight" panose="020B0402040204020203" pitchFamily="34" charset="0"/>
+                <a:cs typeface="Segoe UI Semilight" panose="020B0402040204020203" pitchFamily="34" charset="0"/>
+              </a:rPr>
+              <a:t>Parts Unlimited team is familiar with GitHub. How would you suggest them to set up a CI/CD pipeline?</a:t>
+            </a:r>
+          </a:p>
+          <a:p>
+            <a:endParaRPr lang="en-US" dirty="0"/>
           </a:p>
         </p:txBody>
       </p:sp>
-      <p:graphicFrame>
-        <p:nvGraphicFramePr>
-          <p:cNvPr id="4" name="Table 3">
-            <a:extLst>
-              <a:ext uri="{FF2B5EF4-FFF2-40B4-BE49-F238E27FC236}">
-                <a16:creationId xmlns:a16="http://schemas.microsoft.com/office/drawing/2014/main" id="{9FC7A5CD-D651-4072-A920-34F54BCBC3EF}"/>
-              </a:ext>
-            </a:extLst>
-          </p:cNvPr>
-          <p:cNvGraphicFramePr>
-            <a:graphicFrameLocks noGrp="1"/>
-          </p:cNvGraphicFramePr>
-          <p:nvPr>
-            <p:extLst>
-              <p:ext uri="{D42A27DB-BD31-4B8C-83A1-F6EECF244321}">
-                <p14:modId xmlns:p14="http://schemas.microsoft.com/office/powerpoint/2010/main" val="955931552"/>
-              </p:ext>
-            </p:extLst>
-          </p:nvPr>
-        </p:nvGraphicFramePr>
-        <p:xfrm>
-          <a:off x="3095545" y="3791921"/>
-          <a:ext cx="8040154" cy="2420452"/>
-        </p:xfrm>
-        <a:graphic>
-          <a:graphicData uri="http://schemas.openxmlformats.org/drawingml/2006/table">
-            <a:tbl>
-              <a:tblPr firstRow="1" bandRow="1">
-                <a:tableStyleId>{69CF1AB2-1976-4502-BF36-3FF5EA218861}</a:tableStyleId>
-              </a:tblPr>
-              <a:tblGrid>
-                <a:gridCol w="1758700">
-                  <a:extLst>
-                    <a:ext uri="{9D8B030D-6E8A-4147-A177-3AD203B41FA5}">
-                      <a16:colId xmlns:a16="http://schemas.microsoft.com/office/drawing/2014/main" val="20000"/>
-                    </a:ext>
-                  </a:extLst>
-                </a:gridCol>
-                <a:gridCol w="6281454">
-                  <a:extLst>
-                    <a:ext uri="{9D8B030D-6E8A-4147-A177-3AD203B41FA5}">
-                      <a16:colId xmlns:a16="http://schemas.microsoft.com/office/drawing/2014/main" val="20001"/>
-                    </a:ext>
-                  </a:extLst>
-                </a:gridCol>
-              </a:tblGrid>
-              <a:tr h="672348">
-                <a:tc>
-                  <a:txBody>
-                    <a:bodyPr/>
-                    <a:lstStyle/>
-                    <a:p>
-                      <a:r>
-                        <a:rPr lang="en-US" sz="1300" b="1" i="1" dirty="0">
-                          <a:latin typeface="Segoe UI" panose="020B0502040204020203" pitchFamily="34" charset="0"/>
-                          <a:cs typeface="Segoe UI" panose="020B0502040204020203" pitchFamily="34" charset="0"/>
-                        </a:rPr>
-                        <a:t>Business</a:t>
-                      </a:r>
-                      <a:r>
-                        <a:rPr lang="en-US" sz="1300" b="1" i="1" kern="1200" dirty="0">
-                          <a:solidFill>
-                            <a:schemeClr val="dk1"/>
-                          </a:solidFill>
-                          <a:latin typeface="Segoe UI" panose="020B0502040204020203" pitchFamily="34" charset="0"/>
-                          <a:ea typeface="+mn-ea"/>
-                          <a:cs typeface="Segoe UI" panose="020B0502040204020203" pitchFamily="34" charset="0"/>
-                        </a:rPr>
-                        <a:t> needs</a:t>
-                      </a:r>
-                    </a:p>
-                    <a:p>
-                      <a:r>
-                        <a:rPr lang="en-US" sz="1300" b="0" i="0" dirty="0">
-                          <a:latin typeface="Segoe UI" panose="020B0502040204020203" pitchFamily="34" charset="0"/>
-                          <a:cs typeface="Segoe UI" panose="020B0502040204020203" pitchFamily="34" charset="0"/>
-                        </a:rPr>
-                        <a:t>(10 minutes)</a:t>
-                      </a:r>
-                      <a:br>
-                        <a:rPr lang="en-US" sz="1300" b="0" i="0" dirty="0">
-                          <a:latin typeface="Segoe UI" panose="020B0502040204020203" pitchFamily="34" charset="0"/>
-                          <a:cs typeface="Segoe UI" panose="020B0502040204020203" pitchFamily="34" charset="0"/>
-                        </a:rPr>
-                      </a:br>
-                      <a:endParaRPr lang="en-US" sz="1300" b="0" i="0" dirty="0">
-                        <a:latin typeface="Segoe UI" panose="020B0502040204020203" pitchFamily="34" charset="0"/>
-                        <a:cs typeface="Segoe UI" panose="020B0502040204020203" pitchFamily="34" charset="0"/>
-                      </a:endParaRPr>
-                    </a:p>
-                  </a:txBody>
-                  <a:tcPr marL="67235" marR="67235" marT="33617" marB="33617"/>
-                </a:tc>
-                <a:tc>
-                  <a:txBody>
-                    <a:bodyPr/>
-                    <a:lstStyle/>
-                    <a:p>
-                      <a:pPr marL="285750" marR="0" indent="-285750" algn="l" defTabSz="932742" rtl="0" eaLnBrk="1" fontAlgn="auto" latinLnBrk="0" hangingPunct="1">
-                        <a:lnSpc>
-                          <a:spcPct val="100000"/>
-                        </a:lnSpc>
-                        <a:spcBef>
-                          <a:spcPts val="0"/>
-                        </a:spcBef>
-                        <a:spcAft>
-                          <a:spcPts val="0"/>
-                        </a:spcAft>
-                        <a:buClrTx/>
-                        <a:buSzTx/>
-                        <a:buFont typeface="Arial" panose="020B0604020202020204" pitchFamily="34" charset="0"/>
-                        <a:buChar char="•"/>
-                        <a:tabLst/>
-                        <a:defRPr/>
-                      </a:pPr>
-                      <a:r>
-                        <a:rPr lang="en-US" sz="1300" b="0" dirty="0">
-                          <a:solidFill>
-                            <a:schemeClr val="bg1"/>
-                          </a:solidFill>
-                          <a:latin typeface="Segoe UI" panose="020B0502040204020203" pitchFamily="34" charset="0"/>
-                          <a:cs typeface="Segoe UI" panose="020B0502040204020203" pitchFamily="34" charset="0"/>
-                        </a:rPr>
-                        <a:t>Respond to questions outlined in your guide and be prepared to present your solutions to others.</a:t>
-                      </a:r>
-                    </a:p>
-                  </a:txBody>
-                  <a:tcPr marL="67235" marR="67235" marT="33617" marB="33617"/>
-                </a:tc>
-                <a:extLst>
-                  <a:ext uri="{0D108BD9-81ED-4DB2-BD59-A6C34878D82A}">
-                    <a16:rowId xmlns:a16="http://schemas.microsoft.com/office/drawing/2014/main" val="10000"/>
-                  </a:ext>
-                </a:extLst>
-              </a:tr>
-              <a:tr h="672348">
-                <a:tc>
-                  <a:txBody>
-                    <a:bodyPr/>
-                    <a:lstStyle/>
-                    <a:p>
-                      <a:r>
-                        <a:rPr lang="en-US" sz="1300" b="1" i="1" dirty="0">
-                          <a:latin typeface="Segoe UI" panose="020B0502040204020203" pitchFamily="34" charset="0"/>
-                          <a:cs typeface="Segoe UI" panose="020B0502040204020203" pitchFamily="34" charset="0"/>
-                        </a:rPr>
-                        <a:t>Design</a:t>
-                      </a:r>
-                    </a:p>
-                    <a:p>
-                      <a:pPr marL="0" algn="l" defTabSz="932742" rtl="0" eaLnBrk="1" latinLnBrk="0" hangingPunct="1"/>
-                      <a:r>
-                        <a:rPr lang="en-US" sz="1300" b="0" i="0" kern="1200" dirty="0">
-                          <a:solidFill>
-                            <a:schemeClr val="dk1"/>
-                          </a:solidFill>
-                          <a:latin typeface="Segoe UI" panose="020B0502040204020203" pitchFamily="34" charset="0"/>
-                          <a:ea typeface="+mn-ea"/>
-                          <a:cs typeface="Segoe UI" panose="020B0502040204020203" pitchFamily="34" charset="0"/>
-                        </a:rPr>
-                        <a:t>(35 minutes)</a:t>
-                      </a:r>
-                      <a:br>
-                        <a:rPr lang="en-US" sz="1300" b="0" i="0" kern="1200" dirty="0">
-                          <a:solidFill>
-                            <a:schemeClr val="dk1"/>
-                          </a:solidFill>
-                          <a:latin typeface="Segoe UI" panose="020B0502040204020203" pitchFamily="34" charset="0"/>
-                          <a:ea typeface="+mn-ea"/>
-                          <a:cs typeface="Segoe UI" panose="020B0502040204020203" pitchFamily="34" charset="0"/>
-                        </a:rPr>
-                      </a:br>
-                      <a:endParaRPr lang="en-US" sz="1300" b="0" i="0" kern="1200" dirty="0">
-                        <a:solidFill>
-                          <a:schemeClr val="dk1"/>
-                        </a:solidFill>
-                        <a:latin typeface="Segoe UI" panose="020B0502040204020203" pitchFamily="34" charset="0"/>
-                        <a:ea typeface="+mn-ea"/>
-                        <a:cs typeface="Segoe UI" panose="020B0502040204020203" pitchFamily="34" charset="0"/>
-                      </a:endParaRPr>
-                    </a:p>
-                  </a:txBody>
-                  <a:tcPr marL="67235" marR="67235" marT="33617" marB="33617"/>
-                </a:tc>
-                <a:tc>
-                  <a:txBody>
-                    <a:bodyPr/>
-                    <a:lstStyle/>
-                    <a:p>
-                      <a:pPr marL="285750" marR="0" indent="-285750" algn="l" defTabSz="932742" rtl="0" eaLnBrk="1" fontAlgn="auto" latinLnBrk="0" hangingPunct="1">
-                        <a:lnSpc>
-                          <a:spcPct val="100000"/>
-                        </a:lnSpc>
-                        <a:spcBef>
-                          <a:spcPts val="0"/>
-                        </a:spcBef>
-                        <a:spcAft>
-                          <a:spcPts val="0"/>
-                        </a:spcAft>
-                        <a:buClrTx/>
-                        <a:buSzTx/>
-                        <a:buFont typeface="Arial" panose="020B0604020202020204" pitchFamily="34" charset="0"/>
-                        <a:buChar char="•"/>
-                        <a:tabLst/>
-                        <a:defRPr/>
-                      </a:pPr>
-                      <a:r>
-                        <a:rPr lang="en-US" sz="1300" kern="1200" baseline="0" dirty="0">
-                          <a:solidFill>
-                            <a:schemeClr val="bg1"/>
-                          </a:solidFill>
-                          <a:latin typeface="Segoe UI" panose="020B0502040204020203" pitchFamily="34" charset="0"/>
-                          <a:ea typeface="+mn-ea"/>
-                          <a:cs typeface="Segoe UI" panose="020B0502040204020203" pitchFamily="34" charset="0"/>
-                        </a:rPr>
-                        <a:t>Design a solution for as many of the stated requirements as time allows.</a:t>
-                      </a:r>
-                    </a:p>
-                  </a:txBody>
-                  <a:tcPr marL="67235" marR="67235" marT="33617" marB="33617"/>
-                </a:tc>
-                <a:extLst>
-                  <a:ext uri="{0D108BD9-81ED-4DB2-BD59-A6C34878D82A}">
-                    <a16:rowId xmlns:a16="http://schemas.microsoft.com/office/drawing/2014/main" val="10001"/>
-                  </a:ext>
-                </a:extLst>
-              </a:tr>
-              <a:tr h="1075756">
-                <a:tc>
-                  <a:txBody>
-                    <a:bodyPr/>
-                    <a:lstStyle/>
-                    <a:p>
-                      <a:r>
-                        <a:rPr lang="en-US" sz="1300" b="1" i="1" dirty="0">
-                          <a:latin typeface="Segoe UI" panose="020B0502040204020203" pitchFamily="34" charset="0"/>
-                          <a:cs typeface="Segoe UI" panose="020B0502040204020203" pitchFamily="34" charset="0"/>
-                        </a:rPr>
-                        <a:t>Prepare</a:t>
-                      </a:r>
-                    </a:p>
-                    <a:p>
-                      <a:pPr marL="0" marR="0" indent="0" algn="l" defTabSz="932742" rtl="0" eaLnBrk="1" fontAlgn="auto" latinLnBrk="0" hangingPunct="1">
-                        <a:lnSpc>
-                          <a:spcPct val="100000"/>
-                        </a:lnSpc>
-                        <a:spcBef>
-                          <a:spcPts val="0"/>
-                        </a:spcBef>
-                        <a:spcAft>
-                          <a:spcPts val="0"/>
-                        </a:spcAft>
-                        <a:buClrTx/>
-                        <a:buSzTx/>
-                        <a:buFontTx/>
-                        <a:buNone/>
-                        <a:tabLst/>
-                        <a:defRPr/>
-                      </a:pPr>
-                      <a:r>
-                        <a:rPr lang="en-US" sz="1300" b="0" i="0" kern="1200" dirty="0">
-                          <a:solidFill>
-                            <a:schemeClr val="dk1"/>
-                          </a:solidFill>
-                          <a:latin typeface="Segoe UI" panose="020B0502040204020203" pitchFamily="34" charset="0"/>
-                          <a:ea typeface="+mn-ea"/>
-                          <a:cs typeface="Segoe UI" panose="020B0502040204020203" pitchFamily="34" charset="0"/>
-                        </a:rPr>
-                        <a:t>(15 minutes)</a:t>
-                      </a:r>
-                    </a:p>
-                    <a:p>
-                      <a:endParaRPr lang="en-US" sz="1300" b="1" i="1" dirty="0">
-                        <a:latin typeface="Segoe UI" panose="020B0502040204020203" pitchFamily="34" charset="0"/>
-                        <a:cs typeface="Segoe UI" panose="020B0502040204020203" pitchFamily="34" charset="0"/>
-                      </a:endParaRPr>
-                    </a:p>
-                  </a:txBody>
-                  <a:tcPr marL="67235" marR="67235" marT="33617" marB="33617"/>
-                </a:tc>
-                <a:tc>
-                  <a:txBody>
-                    <a:bodyPr/>
-                    <a:lstStyle/>
-                    <a:p>
-                      <a:pPr marL="285750" lvl="0" indent="-285750">
-                        <a:buFont typeface="Arial" panose="020B0604020202020204" pitchFamily="34" charset="0"/>
-                        <a:buChar char="•"/>
-                      </a:pPr>
-                      <a:r>
-                        <a:rPr lang="en-US" sz="1300" dirty="0">
-                          <a:latin typeface="Segoe UI" panose="020B0502040204020203" pitchFamily="34" charset="0"/>
-                          <a:cs typeface="Segoe UI" panose="020B0502040204020203" pitchFamily="34" charset="0"/>
-                        </a:rPr>
-                        <a:t>Identify any customer needs that are not addressed with the proposed solution.</a:t>
-                      </a:r>
-                    </a:p>
-                    <a:p>
-                      <a:pPr marL="285750" lvl="0" indent="-285750">
-                        <a:buFont typeface="Arial" panose="020B0604020202020204" pitchFamily="34" charset="0"/>
-                        <a:buChar char="•"/>
-                      </a:pPr>
-                      <a:r>
-                        <a:rPr lang="en-US" sz="1300" dirty="0">
-                          <a:latin typeface="Segoe UI" panose="020B0502040204020203" pitchFamily="34" charset="0"/>
-                          <a:cs typeface="Segoe UI" panose="020B0502040204020203" pitchFamily="34" charset="0"/>
-                        </a:rPr>
-                        <a:t>Identify the benefits of your solution.</a:t>
-                      </a:r>
-                    </a:p>
-                    <a:p>
-                      <a:pPr marL="285750" lvl="0" indent="-285750">
-                        <a:buFont typeface="Arial" panose="020B0604020202020204" pitchFamily="34" charset="0"/>
-                        <a:buChar char="•"/>
-                      </a:pPr>
-                      <a:r>
-                        <a:rPr lang="en-US" sz="1300" dirty="0">
-                          <a:latin typeface="Segoe UI" panose="020B0502040204020203" pitchFamily="34" charset="0"/>
-                          <a:cs typeface="Segoe UI" panose="020B0502040204020203" pitchFamily="34" charset="0"/>
-                        </a:rPr>
-                        <a:t>Determine how you will respond to the customer’s objections.</a:t>
-                      </a:r>
-                    </a:p>
-                    <a:p>
-                      <a:pPr marL="285750" lvl="0" indent="-285750">
-                        <a:buFont typeface="Arial" panose="020B0604020202020204" pitchFamily="34" charset="0"/>
-                        <a:buChar char="•"/>
-                      </a:pPr>
-                      <a:r>
-                        <a:rPr lang="en-US" sz="1300" dirty="0">
-                          <a:latin typeface="Segoe UI" panose="020B0502040204020203" pitchFamily="34" charset="0"/>
-                          <a:cs typeface="Segoe UI" panose="020B0502040204020203" pitchFamily="34" charset="0"/>
-                        </a:rPr>
-                        <a:t>Prepare for a 15-minute presentation to the customer.</a:t>
-                      </a:r>
-                      <a:br>
-                        <a:rPr lang="en-US" sz="1300" dirty="0">
-                          <a:latin typeface="Segoe UI" panose="020B0502040204020203" pitchFamily="34" charset="0"/>
-                          <a:cs typeface="Segoe UI" panose="020B0502040204020203" pitchFamily="34" charset="0"/>
-                        </a:rPr>
-                      </a:br>
-                      <a:endParaRPr lang="en-US" sz="1300" dirty="0">
-                        <a:latin typeface="Segoe UI" panose="020B0502040204020203" pitchFamily="34" charset="0"/>
-                        <a:cs typeface="Segoe UI" panose="020B0502040204020203" pitchFamily="34" charset="0"/>
-                      </a:endParaRPr>
-                    </a:p>
-                  </a:txBody>
-                  <a:tcPr marL="67235" marR="67235" marT="33617" marB="33617"/>
-                </a:tc>
-                <a:extLst>
-                  <a:ext uri="{0D108BD9-81ED-4DB2-BD59-A6C34878D82A}">
-                    <a16:rowId xmlns:a16="http://schemas.microsoft.com/office/drawing/2014/main" val="10002"/>
-                  </a:ext>
-                </a:extLst>
-              </a:tr>
-            </a:tbl>
-          </a:graphicData>
-        </a:graphic>
-      </p:graphicFrame>
     </p:spTree>
     <p:extLst>
       <p:ext uri="{BB962C8B-B14F-4D97-AF65-F5344CB8AC3E}">
@@ -18593,7 +19433,7 @@
 </file>
 
 <file path=ppt/slides/slide9.xml><?xml version="1.0" encoding="utf-8"?>
-<p:sld xmlns:a="http://schemas.openxmlformats.org/drawingml/2006/main" xmlns:r="http://schemas.openxmlformats.org/officeDocument/2006/relationships" xmlns:p="http://schemas.openxmlformats.org/presentationml/2006/main">
+<p:sld xmlns:a="http://schemas.openxmlformats.org/drawingml/2006/main" xmlns:r="http://schemas.openxmlformats.org/officeDocument/2006/relationships" xmlns:p="http://schemas.openxmlformats.org/presentationml/2006/main" show="0">
   <p:cSld>
     <p:spTree>
       <p:nvGrpSpPr>
@@ -19089,11 +19929,11 @@
   <p:clrMapOvr>
     <a:masterClrMapping/>
   </p:clrMapOvr>
-  <mc:AlternateContent xmlns:mc="http://schemas.openxmlformats.org/markup-compatibility/2006" xmlns:p14="http://schemas.microsoft.com/office/powerpoint/2010/main">
-    <mc:Choice Requires="p14">
+  <mc:AlternateContent xmlns:mc="http://schemas.openxmlformats.org/markup-compatibility/2006">
+    <mc:Choice xmlns:p14="http://schemas.microsoft.com/office/powerpoint/2010/main" Requires="p14">
       <p:transition p14:dur="0"/>
     </mc:Choice>
-    <mc:Fallback xmlns="">
+    <mc:Fallback>
       <p:transition/>
     </mc:Fallback>
   </mc:AlternateContent>

--- a/Whiteboard design session/WDS trainer presentation - App modernization.pptx
+++ b/Whiteboard design session/WDS trainer presentation - App modernization.pptx
@@ -226,7 +226,7 @@
           <a:p>
             <a:fld id="{52A13B17-C506-4D51-BB37-16B365906619}" type="datetimeFigureOut">
               <a:rPr lang="en-US" smtClean="0"/>
-              <a:t>3/28/2022</a:t>
+              <a:t>3/29/2022</a:t>
             </a:fld>
             <a:endParaRPr lang="en-US" dirty="0"/>
           </a:p>
@@ -2989,7 +2989,7 @@
                   <a:prstClr val="black"/>
                 </a:solidFill>
               </a:rPr>
-              <a:t>3/28/2022 2:30 PM</a:t>
+              <a:t>3/29/2022 12:22 PM</a:t>
             </a:fld>
             <a:endParaRPr lang="en-US" dirty="0">
               <a:solidFill>
@@ -16168,11 +16168,11 @@
   <p:clrMapOvr>
     <a:masterClrMapping/>
   </p:clrMapOvr>
-  <mc:AlternateContent xmlns:mc="http://schemas.openxmlformats.org/markup-compatibility/2006">
-    <mc:Choice xmlns:p14="http://schemas.microsoft.com/office/powerpoint/2010/main" Requires="p14">
+  <mc:AlternateContent xmlns:mc="http://schemas.openxmlformats.org/markup-compatibility/2006" xmlns:p14="http://schemas.microsoft.com/office/powerpoint/2010/main">
+    <mc:Choice Requires="p14">
       <p:transition p14:dur="0"/>
     </mc:Choice>
-    <mc:Fallback>
+    <mc:Fallback xmlns="">
       <p:transition/>
     </mc:Fallback>
   </mc:AlternateContent>
@@ -16383,11 +16383,11 @@
   <p:clrMapOvr>
     <a:masterClrMapping/>
   </p:clrMapOvr>
-  <mc:AlternateContent xmlns:mc="http://schemas.openxmlformats.org/markup-compatibility/2006">
-    <mc:Choice xmlns:p14="http://schemas.microsoft.com/office/powerpoint/2010/main" Requires="p14">
+  <mc:AlternateContent xmlns:mc="http://schemas.openxmlformats.org/markup-compatibility/2006" xmlns:p14="http://schemas.microsoft.com/office/powerpoint/2010/main">
+    <mc:Choice Requires="p14">
       <p:transition p14:dur="0"/>
     </mc:Choice>
-    <mc:Fallback>
+    <mc:Fallback xmlns="">
       <p:transition/>
     </mc:Fallback>
   </mc:AlternateContent>
@@ -16456,32 +16456,49 @@
       </p:sp>
       <p:pic>
         <p:nvPicPr>
-          <p:cNvPr id="10" name="Picture 9" descr="Architecture diagram of the preferred solution. Azure Functions is implemented to handle order processing. Azure Storage Queue is used to hold the jobs between the web front end and Azure Functions. GitHub is used to host source code, and GitHub Actions is used to run the CI/CD.">
+          <p:cNvPr id="1026" name="Picture 2">
             <a:extLst>
               <a:ext uri="{FF2B5EF4-FFF2-40B4-BE49-F238E27FC236}">
-                <a16:creationId xmlns:a16="http://schemas.microsoft.com/office/drawing/2014/main" id="{FFCEB2B3-7A63-4C93-AEBD-A138DF5B185E}"/>
+                <a16:creationId xmlns:a16="http://schemas.microsoft.com/office/drawing/2014/main" id="{DA6B1D37-FBAD-4342-A3DA-BDB3211215C9}"/>
               </a:ext>
             </a:extLst>
           </p:cNvPr>
           <p:cNvPicPr>
-            <a:picLocks noChangeAspect="1"/>
+            <a:picLocks noChangeAspect="1" noChangeArrowheads="1"/>
           </p:cNvPicPr>
           <p:nvPr/>
         </p:nvPicPr>
         <p:blipFill>
-          <a:blip r:embed="rId3"/>
+          <a:blip r:embed="rId3">
+            <a:extLst>
+              <a:ext uri="{28A0092B-C50C-407E-A947-70E740481C1C}">
+                <a14:useLocalDpi xmlns:a14="http://schemas.microsoft.com/office/drawing/2010/main" val="0"/>
+              </a:ext>
+            </a:extLst>
+          </a:blip>
+          <a:srcRect/>
           <a:stretch>
             <a:fillRect/>
           </a:stretch>
         </p:blipFill>
-        <p:spPr>
+        <p:spPr bwMode="auto">
           <a:xfrm>
-            <a:off x="-1" y="1298152"/>
-            <a:ext cx="12192001" cy="5559848"/>
+            <a:off x="2145030" y="1062990"/>
+            <a:ext cx="7505700" cy="5676900"/>
           </a:xfrm>
           <a:prstGeom prst="rect">
             <a:avLst/>
           </a:prstGeom>
+          <a:noFill/>
+          <a:extLst>
+            <a:ext uri="{909E8E84-426E-40DD-AFC4-6F175D3DCCD1}">
+              <a14:hiddenFill xmlns:a14="http://schemas.microsoft.com/office/drawing/2010/main">
+                <a:solidFill>
+                  <a:srgbClr val="FFFFFF"/>
+                </a:solidFill>
+              </a14:hiddenFill>
+            </a:ext>
+          </a:extLst>
         </p:spPr>
       </p:pic>
     </p:spTree>
@@ -17412,11 +17429,11 @@
   <p:clrMapOvr>
     <a:masterClrMapping/>
   </p:clrMapOvr>
-  <mc:AlternateContent xmlns:mc="http://schemas.openxmlformats.org/markup-compatibility/2006">
-    <mc:Choice xmlns:p14="http://schemas.microsoft.com/office/powerpoint/2010/main" Requires="p14">
+  <mc:AlternateContent xmlns:mc="http://schemas.openxmlformats.org/markup-compatibility/2006" xmlns:p14="http://schemas.microsoft.com/office/powerpoint/2010/main">
+    <mc:Choice Requires="p14">
       <p:transition p14:dur="0"/>
     </mc:Choice>
-    <mc:Fallback>
+    <mc:Fallback xmlns="">
       <p:transition/>
     </mc:Fallback>
   </mc:AlternateContent>
@@ -18931,11 +18948,11 @@
   <p:clrMapOvr>
     <a:masterClrMapping/>
   </p:clrMapOvr>
-  <mc:AlternateContent xmlns:mc="http://schemas.openxmlformats.org/markup-compatibility/2006">
-    <mc:Choice xmlns:p14="http://schemas.microsoft.com/office/powerpoint/2010/main" Requires="p14">
+  <mc:AlternateContent xmlns:mc="http://schemas.openxmlformats.org/markup-compatibility/2006" xmlns:p14="http://schemas.microsoft.com/office/powerpoint/2010/main">
+    <mc:Choice Requires="p14">
       <p:transition p14:dur="0"/>
     </mc:Choice>
-    <mc:Fallback>
+    <mc:Fallback xmlns="">
       <p:transition/>
     </mc:Fallback>
   </mc:AlternateContent>
@@ -19929,11 +19946,11 @@
   <p:clrMapOvr>
     <a:masterClrMapping/>
   </p:clrMapOvr>
-  <mc:AlternateContent xmlns:mc="http://schemas.openxmlformats.org/markup-compatibility/2006">
-    <mc:Choice xmlns:p14="http://schemas.microsoft.com/office/powerpoint/2010/main" Requires="p14">
+  <mc:AlternateContent xmlns:mc="http://schemas.openxmlformats.org/markup-compatibility/2006" xmlns:p14="http://schemas.microsoft.com/office/powerpoint/2010/main">
+    <mc:Choice Requires="p14">
       <p:transition p14:dur="0"/>
     </mc:Choice>
-    <mc:Fallback>
+    <mc:Fallback xmlns="">
       <p:transition/>
     </mc:Fallback>
   </mc:AlternateContent>

--- a/Whiteboard design session/WDS trainer presentation - App modernization.pptx
+++ b/Whiteboard design session/WDS trainer presentation - App modernization.pptx
@@ -226,7 +226,7 @@
           <a:p>
             <a:fld id="{52A13B17-C506-4D51-BB37-16B365906619}" type="datetimeFigureOut">
               <a:rPr lang="en-US" smtClean="0"/>
-              <a:t>3/29/2022</a:t>
+              <a:t>6/12/2022</a:t>
             </a:fld>
             <a:endParaRPr lang="en-US" dirty="0"/>
           </a:p>
@@ -2989,7 +2989,7 @@
                   <a:prstClr val="black"/>
                 </a:solidFill>
               </a:rPr>
-              <a:t>3/29/2022 12:22 PM</a:t>
+              <a:t>6/12/2022 3:11 PM</a:t>
             </a:fld>
             <a:endParaRPr lang="en-US" dirty="0">
               <a:solidFill>
@@ -15913,12 +15913,6 @@
           <a:p>
             <a:r>
               <a:rPr lang="en-US" sz="2000" dirty="0"/>
-              <a:t>Solution architect</a:t>
-            </a:r>
-          </a:p>
-          <a:p>
-            <a:r>
-              <a:rPr lang="en-US" sz="2000" dirty="0"/>
               <a:t>S&amp;T Consulting Hungary </a:t>
             </a:r>
             <a:r>
@@ -17272,7 +17266,7 @@
 </file>
 
 <file path=ppt/slides/slide19.xml><?xml version="1.0" encoding="utf-8"?>
-<p:sld xmlns:a="http://schemas.openxmlformats.org/drawingml/2006/main" xmlns:r="http://schemas.openxmlformats.org/officeDocument/2006/relationships" xmlns:p="http://schemas.openxmlformats.org/presentationml/2006/main">
+<p:sld xmlns:a="http://schemas.openxmlformats.org/drawingml/2006/main" xmlns:r="http://schemas.openxmlformats.org/officeDocument/2006/relationships" xmlns:p="http://schemas.openxmlformats.org/presentationml/2006/main" show="0">
   <p:cSld>
     <p:spTree>
       <p:nvGrpSpPr>
@@ -17429,11 +17423,11 @@
   <p:clrMapOvr>
     <a:masterClrMapping/>
   </p:clrMapOvr>
-  <mc:AlternateContent xmlns:mc="http://schemas.openxmlformats.org/markup-compatibility/2006" xmlns:p14="http://schemas.microsoft.com/office/powerpoint/2010/main">
-    <mc:Choice Requires="p14">
+  <mc:AlternateContent xmlns:mc="http://schemas.openxmlformats.org/markup-compatibility/2006">
+    <mc:Choice xmlns:p14="http://schemas.microsoft.com/office/powerpoint/2010/main" Requires="p14">
       <p:transition p14:dur="0"/>
     </mc:Choice>
-    <mc:Fallback xmlns="">
+    <mc:Fallback>
       <p:transition/>
     </mc:Fallback>
   </mc:AlternateContent>
@@ -17525,7 +17519,15 @@
           <a:p>
             <a:r>
               <a:rPr lang="en-US" sz="2800" dirty="0"/>
-              <a:t>In this whiteboard design session, you work with a group to analyze and design a solution for moving legacy on-premises applications and infrastructure to cloud services. As part of the modernization effort, you will discuss modern concepts such as Serverless.</a:t>
+              <a:t>In this whiteboard design session, you work with a group to </a:t>
+            </a:r>
+            <a:r>
+              <a:rPr lang="en-US" sz="2800" b="1" dirty="0"/>
+              <a:t>analyze and design a solution for moving legacy on-premises applications and infrastructure to cloud services</a:t>
+            </a:r>
+            <a:r>
+              <a:rPr lang="en-US" sz="2800" dirty="0"/>
+              <a:t>. As part of the modernization effort, you will discuss modern concepts such as Serverless.</a:t>
             </a:r>
           </a:p>
           <a:p>
@@ -18372,7 +18374,7 @@
                 </a:solidFill>
                 <a:cs typeface="Segoe UI" panose="020B0502040204020203" pitchFamily="34" charset="0"/>
               </a:rPr>
-              <a:t>Customer situation - 2</a:t>
+              <a:t>Customer situation </a:t>
             </a:r>
             <a:br>
               <a:rPr lang="en-US" dirty="0">
@@ -18425,7 +18427,7 @@
                 </a:solidFill>
                 <a:latin typeface="+mj-lt"/>
               </a:rPr>
-              <a:t>A Windows Server 2019 hosting the web commerce</a:t>
+              <a:t>A Windows Server 2019 hosting the web commerce application</a:t>
             </a:r>
           </a:p>
           <a:p>
@@ -18441,7 +18443,7 @@
                 </a:solidFill>
                 <a:latin typeface="+mj-lt"/>
               </a:rPr>
-              <a:t>A SQL Server 2008 R2 hosting the website.</a:t>
+              <a:t>A SQL Server 2008 R2 hosting the website data</a:t>
             </a:r>
           </a:p>
           <a:p>
@@ -18456,7 +18458,7 @@
                   <a:schemeClr val="tx1"/>
                 </a:solidFill>
               </a:rPr>
-              <a:t>On-premises servers maintained by a hardware technician and a system administrator.</a:t>
+              <a:t>On-premises servers maintained by a hardware technician and a system administrator</a:t>
             </a:r>
             <a:endParaRPr lang="en-US" sz="2800" dirty="0">
               <a:solidFill>
@@ -18477,7 +18479,7 @@
                   <a:schemeClr val="tx1"/>
                 </a:solidFill>
               </a:rPr>
-              <a:t>Out of business software vendor.</a:t>
+              <a:t>Out of business software vendor</a:t>
             </a:r>
           </a:p>
           <a:p>
@@ -18501,7 +18503,7 @@
                   <a:schemeClr val="tx1"/>
                 </a:solidFill>
               </a:rPr>
-              <a:t>neers.</a:t>
+              <a:t>neers</a:t>
             </a:r>
           </a:p>
           <a:p>
@@ -18709,7 +18711,7 @@
                 <a:latin typeface="Segoe UI Semilight" panose="020B0402040204020203" pitchFamily="34" charset="0"/>
                 <a:cs typeface="Segoe UI Semilight" panose="020B0402040204020203" pitchFamily="34" charset="0"/>
               </a:rPr>
-              <a:t>DevOps Introduction</a:t>
+              <a:t>DevOps introduction</a:t>
             </a:r>
           </a:p>
           <a:p>

--- a/Whiteboard design session/WDS trainer presentation - App modernization.pptx
+++ b/Whiteboard design session/WDS trainer presentation - App modernization.pptx
@@ -226,7 +226,7 @@
           <a:p>
             <a:fld id="{52A13B17-C506-4D51-BB37-16B365906619}" type="datetimeFigureOut">
               <a:rPr lang="en-US" smtClean="0"/>
-              <a:t>6/12/2022</a:t>
+              <a:t>12/7/2022</a:t>
             </a:fld>
             <a:endParaRPr lang="en-US" dirty="0"/>
           </a:p>
@@ -2989,7 +2989,7 @@
                   <a:prstClr val="black"/>
                 </a:solidFill>
               </a:rPr>
-              <a:t>6/12/2022 3:11 PM</a:t>
+              <a:t>12/7/2022 10:39 AM</a:t>
             </a:fld>
             <a:endParaRPr lang="en-US" dirty="0">
               <a:solidFill>
@@ -15901,30 +15901,6 @@
           <a:bodyPr/>
           <a:lstStyle/>
           <a:p>
-            <a:r>
-              <a:rPr lang="en-US" dirty="0" err="1"/>
-              <a:t>Kulcsár</a:t>
-            </a:r>
-            <a:r>
-              <a:rPr lang="en-US" dirty="0"/>
-              <a:t> Gábor</a:t>
-            </a:r>
-          </a:p>
-          <a:p>
-            <a:r>
-              <a:rPr lang="en-US" sz="2000" dirty="0"/>
-              <a:t>S&amp;T Consulting Hungary </a:t>
-            </a:r>
-            <a:r>
-              <a:rPr lang="en-US" sz="2000" dirty="0" err="1"/>
-              <a:t>Kft</a:t>
-            </a:r>
-            <a:r>
-              <a:rPr lang="en-US" sz="2000" dirty="0"/>
-              <a:t>.</a:t>
-            </a:r>
-          </a:p>
-          <a:p>
             <a:endParaRPr lang="en-US" dirty="0"/>
           </a:p>
         </p:txBody>
@@ -17423,11 +17399,11 @@
   <p:clrMapOvr>
     <a:masterClrMapping/>
   </p:clrMapOvr>
-  <mc:AlternateContent xmlns:mc="http://schemas.openxmlformats.org/markup-compatibility/2006">
-    <mc:Choice xmlns:p14="http://schemas.microsoft.com/office/powerpoint/2010/main" Requires="p14">
+  <mc:AlternateContent xmlns:mc="http://schemas.openxmlformats.org/markup-compatibility/2006" xmlns:p14="http://schemas.microsoft.com/office/powerpoint/2010/main">
+    <mc:Choice Requires="p14">
       <p:transition p14:dur="0"/>
     </mc:Choice>
-    <mc:Fallback>
+    <mc:Fallback xmlns="">
       <p:transition/>
     </mc:Fallback>
   </mc:AlternateContent>
